--- a/en/ProgrammingLessons/SP3GyroTurning.pptx
+++ b/en/ProgrammingLessons/SP3GyroTurning.pptx
@@ -5,10 +5,10 @@
     <p:sldMasterId id="2147483773" r:id="rId1"/>
   </p:sldMasterIdLst>
   <p:notesMasterIdLst>
-    <p:notesMasterId r:id="rId15"/>
+    <p:notesMasterId r:id="rId16"/>
   </p:notesMasterIdLst>
   <p:handoutMasterIdLst>
-    <p:handoutMasterId r:id="rId16"/>
+    <p:handoutMasterId r:id="rId17"/>
   </p:handoutMasterIdLst>
   <p:sldIdLst>
     <p:sldId id="275" r:id="rId2"/>
@@ -17,13 +17,14 @@
     <p:sldId id="292" r:id="rId5"/>
     <p:sldId id="293" r:id="rId6"/>
     <p:sldId id="411" r:id="rId7"/>
-    <p:sldId id="289" r:id="rId8"/>
-    <p:sldId id="291" r:id="rId9"/>
-    <p:sldId id="265" r:id="rId10"/>
-    <p:sldId id="347" r:id="rId11"/>
-    <p:sldId id="409" r:id="rId12"/>
-    <p:sldId id="410" r:id="rId13"/>
-    <p:sldId id="288" r:id="rId14"/>
+    <p:sldId id="412" r:id="rId8"/>
+    <p:sldId id="289" r:id="rId9"/>
+    <p:sldId id="291" r:id="rId10"/>
+    <p:sldId id="265" r:id="rId11"/>
+    <p:sldId id="347" r:id="rId12"/>
+    <p:sldId id="409" r:id="rId13"/>
+    <p:sldId id="410" r:id="rId14"/>
+    <p:sldId id="288" r:id="rId15"/>
   </p:sldIdLst>
   <p:sldSz cx="9144000" cy="6858000" type="screen4x3"/>
   <p:notesSz cx="6858000" cy="9144000"/>
@@ -223,7 +224,7 @@
           <a:p>
             <a:fld id="{58040048-1E4D-CD41-AC49-0750EB72586B}" type="datetimeFigureOut">
               <a:rPr lang="en-US" smtClean="0"/>
-              <a:t>5/11/2023</a:t>
+              <a:t>5/12/2023</a:t>
             </a:fld>
             <a:endParaRPr lang="en-US"/>
           </a:p>
@@ -389,7 +390,7 @@
           <a:p>
             <a:fld id="{2B8484CF-5098-F24E-8881-583515D5C406}" type="datetimeFigureOut">
               <a:rPr lang="en-US" smtClean="0"/>
-              <a:t>5/11/2023</a:t>
+              <a:t>5/12/2023</a:t>
             </a:fld>
             <a:endParaRPr lang="en-US"/>
           </a:p>
@@ -1668,7 +1669,7 @@
           <a:p>
             <a:r>
               <a:rPr lang="en-US"/>
-              <a:t>Copyright © 2023 Prime Lessons (primelessons.org) CC-BY-NC-SA.  (Last edit: 5/11/2023)</a:t>
+              <a:t>Copyright © 2023 Prime Lessons (primelessons.org) CC-BY-NC-SA.  (Last edit: 5/12/2023)</a:t>
             </a:r>
             <a:endParaRPr lang="en-US" dirty="0"/>
           </a:p>
@@ -1922,7 +1923,7 @@
           <a:p>
             <a:r>
               <a:rPr lang="en-US"/>
-              <a:t>Copyright © 2023 Prime Lessons (primelessons.org) CC-BY-NC-SA.  (Last edit: 5/11/2023)</a:t>
+              <a:t>Copyright © 2023 Prime Lessons (primelessons.org) CC-BY-NC-SA.  (Last edit: 5/12/2023)</a:t>
             </a:r>
             <a:endParaRPr lang="en-US" dirty="0"/>
           </a:p>
@@ -2181,7 +2182,7 @@
           <a:p>
             <a:r>
               <a:rPr lang="en-US"/>
-              <a:t>Copyright © 2023 Prime Lessons (primelessons.org) CC-BY-NC-SA.  (Last edit: 5/11/2023)</a:t>
+              <a:t>Copyright © 2023 Prime Lessons (primelessons.org) CC-BY-NC-SA.  (Last edit: 5/12/2023)</a:t>
             </a:r>
             <a:endParaRPr lang="en-US" dirty="0"/>
           </a:p>
@@ -2695,7 +2696,7 @@
           <a:p>
             <a:r>
               <a:rPr lang="en-US"/>
-              <a:t>Copyright © 2023 Prime Lessons (primelessons.org) CC-BY-NC-SA.  (Last edit: 5/11/2023)</a:t>
+              <a:t>Copyright © 2023 Prime Lessons (primelessons.org) CC-BY-NC-SA.  (Last edit: 5/12/2023)</a:t>
             </a:r>
             <a:endParaRPr lang="en-US" dirty="0"/>
           </a:p>
@@ -2886,7 +2887,7 @@
           <a:p>
             <a:r>
               <a:rPr lang="en-US"/>
-              <a:t>Copyright © 2023 Prime Lessons (primelessons.org) CC-BY-NC-SA.  (Last edit: 5/11/2023)</a:t>
+              <a:t>Copyright © 2023 Prime Lessons (primelessons.org) CC-BY-NC-SA.  (Last edit: 5/12/2023)</a:t>
             </a:r>
             <a:endParaRPr lang="en-US" dirty="0"/>
           </a:p>
@@ -3285,7 +3286,7 @@
           <a:p>
             <a:r>
               <a:rPr lang="en-US"/>
-              <a:t>Copyright © 2023 Prime Lessons (primelessons.org) CC-BY-NC-SA.  (Last edit: 5/11/2023)</a:t>
+              <a:t>Copyright © 2023 Prime Lessons (primelessons.org) CC-BY-NC-SA.  (Last edit: 5/12/2023)</a:t>
             </a:r>
             <a:endParaRPr lang="en-US" dirty="0"/>
           </a:p>
@@ -3489,7 +3490,7 @@
           <a:p>
             <a:r>
               <a:rPr lang="en-US"/>
-              <a:t>Copyright © 2023 Prime Lessons (primelessons.org) CC-BY-NC-SA.  (Last edit: 5/11/2023)</a:t>
+              <a:t>Copyright © 2023 Prime Lessons (primelessons.org) CC-BY-NC-SA.  (Last edit: 5/12/2023)</a:t>
             </a:r>
             <a:endParaRPr lang="en-US" dirty="0"/>
           </a:p>
@@ -3898,7 +3899,7 @@
           <a:p>
             <a:r>
               <a:rPr lang="en-US"/>
-              <a:t>Copyright © 2023 Prime Lessons (primelessons.org) CC-BY-NC-SA.  (Last edit: 5/11/2023)</a:t>
+              <a:t>Copyright © 2023 Prime Lessons (primelessons.org) CC-BY-NC-SA.  (Last edit: 5/12/2023)</a:t>
             </a:r>
             <a:endParaRPr lang="en-US" dirty="0"/>
           </a:p>
@@ -4477,7 +4478,7 @@
           <a:p>
             <a:r>
               <a:rPr lang="en-US"/>
-              <a:t>Copyright © 2023 Prime Lessons (primelessons.org) CC-BY-NC-SA.  (Last edit: 5/11/2023)</a:t>
+              <a:t>Copyright © 2023 Prime Lessons (primelessons.org) CC-BY-NC-SA.  (Last edit: 5/12/2023)</a:t>
             </a:r>
             <a:endParaRPr lang="en-US" dirty="0"/>
           </a:p>
@@ -5080,7 +5081,7 @@
           <a:p>
             <a:r>
               <a:rPr lang="en-US"/>
-              <a:t>Copyright © 2023 Prime Lessons (primelessons.org) CC-BY-NC-SA.  (Last edit: 5/11/2023)</a:t>
+              <a:t>Copyright © 2023 Prime Lessons (primelessons.org) CC-BY-NC-SA.  (Last edit: 5/12/2023)</a:t>
             </a:r>
             <a:endParaRPr lang="en-US" dirty="0"/>
           </a:p>
@@ -5324,7 +5325,7 @@
           <a:p>
             <a:r>
               <a:rPr lang="en-US"/>
-              <a:t>Copyright © 2023 Prime Lessons (primelessons.org) CC-BY-NC-SA.  (Last edit: 5/11/2023)</a:t>
+              <a:t>Copyright © 2023 Prime Lessons (primelessons.org) CC-BY-NC-SA.  (Last edit: 5/12/2023)</a:t>
             </a:r>
             <a:endParaRPr lang="en-US" dirty="0"/>
           </a:p>
@@ -5813,7 +5814,7 @@
           <a:p>
             <a:r>
               <a:rPr lang="en-US"/>
-              <a:t>Copyright © 2023 Prime Lessons (primelessons.org) CC-BY-NC-SA.  (Last edit: 5/11/2023)</a:t>
+              <a:t>Copyright © 2023 Prime Lessons (primelessons.org) CC-BY-NC-SA.  (Last edit: 5/12/2023)</a:t>
             </a:r>
             <a:endParaRPr lang="en-US" dirty="0"/>
           </a:p>
@@ -6283,7 +6284,7 @@
           <a:p>
             <a:r>
               <a:rPr lang="en-US"/>
-              <a:t>Copyright © 2023 Prime Lessons (primelessons.org) CC-BY-NC-SA.  (Last edit: 5/11/2023)</a:t>
+              <a:t>Copyright © 2023 Prime Lessons (primelessons.org) CC-BY-NC-SA.  (Last edit: 5/12/2023)</a:t>
             </a:r>
           </a:p>
         </p:txBody>
@@ -6584,7 +6585,7 @@
           <a:p>
             <a:r>
               <a:rPr lang="en-US"/>
-              <a:t>Copyright © 2023 Prime Lessons (primelessons.org) CC-BY-NC-SA.  (Last edit: 5/11/2023)</a:t>
+              <a:t>Copyright © 2023 Prime Lessons (primelessons.org) CC-BY-NC-SA.  (Last edit: 5/12/2023)</a:t>
             </a:r>
             <a:endParaRPr lang="en-US" dirty="0"/>
           </a:p>
@@ -6904,7 +6905,7 @@
           <a:p>
             <a:r>
               <a:rPr lang="en-US"/>
-              <a:t>Copyright © 2023 Prime Lessons (primelessons.org) CC-BY-NC-SA.  (Last edit: 5/11/2023)</a:t>
+              <a:t>Copyright © 2023 Prime Lessons (primelessons.org) CC-BY-NC-SA.  (Last edit: 5/12/2023)</a:t>
             </a:r>
             <a:endParaRPr lang="en-US" dirty="0"/>
           </a:p>
@@ -7582,6 +7583,1856 @@
           <a:chExt cx="0" cy="0"/>
         </a:xfrm>
       </p:grpSpPr>
+      <p:cxnSp>
+        <p:nvCxnSpPr>
+          <p:cNvPr id="93" name="Straight Connector 92"/>
+          <p:cNvCxnSpPr/>
+          <p:nvPr/>
+        </p:nvCxnSpPr>
+        <p:spPr>
+          <a:xfrm>
+            <a:off x="3584593" y="5364706"/>
+            <a:ext cx="2257735" cy="12731"/>
+          </a:xfrm>
+          <a:prstGeom prst="line">
+            <a:avLst/>
+          </a:prstGeom>
+          <a:ln w="76200" cmpd="sng">
+            <a:solidFill>
+              <a:schemeClr val="tx1"/>
+            </a:solidFill>
+          </a:ln>
+        </p:spPr>
+        <p:style>
+          <a:lnRef idx="2">
+            <a:schemeClr val="accent1"/>
+          </a:lnRef>
+          <a:fillRef idx="0">
+            <a:schemeClr val="accent1"/>
+          </a:fillRef>
+          <a:effectRef idx="1">
+            <a:schemeClr val="accent1"/>
+          </a:effectRef>
+          <a:fontRef idx="minor">
+            <a:schemeClr val="tx1"/>
+          </a:fontRef>
+        </p:style>
+      </p:cxnSp>
+      <p:cxnSp>
+        <p:nvCxnSpPr>
+          <p:cNvPr id="49" name="Straight Connector 48"/>
+          <p:cNvCxnSpPr/>
+          <p:nvPr/>
+        </p:nvCxnSpPr>
+        <p:spPr>
+          <a:xfrm>
+            <a:off x="399153" y="5350552"/>
+            <a:ext cx="2257735" cy="12731"/>
+          </a:xfrm>
+          <a:prstGeom prst="line">
+            <a:avLst/>
+          </a:prstGeom>
+          <a:ln w="76200" cmpd="sng">
+            <a:solidFill>
+              <a:schemeClr val="tx1"/>
+            </a:solidFill>
+          </a:ln>
+        </p:spPr>
+        <p:style>
+          <a:lnRef idx="2">
+            <a:schemeClr val="accent1"/>
+          </a:lnRef>
+          <a:fillRef idx="0">
+            <a:schemeClr val="accent1"/>
+          </a:fillRef>
+          <a:effectRef idx="1">
+            <a:schemeClr val="accent1"/>
+          </a:effectRef>
+          <a:fontRef idx="minor">
+            <a:schemeClr val="tx1"/>
+          </a:fontRef>
+        </p:style>
+      </p:cxnSp>
+      <p:cxnSp>
+        <p:nvCxnSpPr>
+          <p:cNvPr id="48" name="Straight Connector 47"/>
+          <p:cNvCxnSpPr/>
+          <p:nvPr/>
+        </p:nvCxnSpPr>
+        <p:spPr>
+          <a:xfrm>
+            <a:off x="276087" y="2251740"/>
+            <a:ext cx="2380801" cy="0"/>
+          </a:xfrm>
+          <a:prstGeom prst="line">
+            <a:avLst/>
+          </a:prstGeom>
+          <a:ln w="76200" cmpd="sng">
+            <a:solidFill>
+              <a:schemeClr val="tx1"/>
+            </a:solidFill>
+          </a:ln>
+        </p:spPr>
+        <p:style>
+          <a:lnRef idx="2">
+            <a:schemeClr val="accent1"/>
+          </a:lnRef>
+          <a:fillRef idx="0">
+            <a:schemeClr val="accent1"/>
+          </a:fillRef>
+          <a:effectRef idx="1">
+            <a:schemeClr val="accent1"/>
+          </a:effectRef>
+          <a:fontRef idx="minor">
+            <a:schemeClr val="tx1"/>
+          </a:fontRef>
+        </p:style>
+      </p:cxnSp>
+      <p:sp>
+        <p:nvSpPr>
+          <p:cNvPr id="2" name="Title 1"/>
+          <p:cNvSpPr>
+            <a:spLocks noGrp="1"/>
+          </p:cNvSpPr>
+          <p:nvPr>
+            <p:ph type="title"/>
+          </p:nvPr>
+        </p:nvSpPr>
+        <p:spPr/>
+        <p:txBody>
+          <a:bodyPr/>
+          <a:lstStyle/>
+          <a:p>
+            <a:r>
+              <a:rPr lang="en-US" dirty="0"/>
+              <a:t>There are two types of turns you can do</a:t>
+            </a:r>
+          </a:p>
+        </p:txBody>
+      </p:sp>
+      <p:sp>
+        <p:nvSpPr>
+          <p:cNvPr id="3" name="Footer Placeholder 2"/>
+          <p:cNvSpPr>
+            <a:spLocks noGrp="1"/>
+          </p:cNvSpPr>
+          <p:nvPr>
+            <p:ph type="ftr" sz="quarter" idx="11"/>
+          </p:nvPr>
+        </p:nvSpPr>
+        <p:spPr/>
+        <p:txBody>
+          <a:bodyPr/>
+          <a:lstStyle/>
+          <a:p>
+            <a:r>
+              <a:rPr lang="en-US"/>
+              <a:t>Copyright © 2023 Prime Lessons (primelessons.org) CC-BY-NC-SA.  (Last edit: 5/12/2023)</a:t>
+            </a:r>
+          </a:p>
+        </p:txBody>
+      </p:sp>
+      <p:sp>
+        <p:nvSpPr>
+          <p:cNvPr id="4" name="Slide Number Placeholder 3">
+            <a:extLst>
+              <a:ext uri="{FF2B5EF4-FFF2-40B4-BE49-F238E27FC236}">
+                <a16:creationId xmlns:a16="http://schemas.microsoft.com/office/drawing/2014/main" id="{A820D3A0-BB1C-4BE8-BDFE-B24894F6E99A}"/>
+              </a:ext>
+            </a:extLst>
+          </p:cNvPr>
+          <p:cNvSpPr>
+            <a:spLocks noGrp="1"/>
+          </p:cNvSpPr>
+          <p:nvPr>
+            <p:ph type="sldNum" sz="quarter" idx="12"/>
+          </p:nvPr>
+        </p:nvSpPr>
+        <p:spPr/>
+        <p:txBody>
+          <a:bodyPr/>
+          <a:lstStyle/>
+          <a:p>
+            <a:fld id="{BBD74847-7BE4-4E4D-8159-51DF7B93C616}" type="slidenum">
+              <a:rPr lang="en-US" smtClean="0"/>
+              <a:t>10</a:t>
+            </a:fld>
+            <a:endParaRPr lang="en-US"/>
+          </a:p>
+        </p:txBody>
+      </p:sp>
+      <p:sp>
+        <p:nvSpPr>
+          <p:cNvPr id="6" name="TextBox 5"/>
+          <p:cNvSpPr txBox="1"/>
+          <p:nvPr/>
+        </p:nvSpPr>
+        <p:spPr>
+          <a:xfrm>
+            <a:off x="276087" y="1278956"/>
+            <a:ext cx="5497869" cy="369332"/>
+          </a:xfrm>
+          <a:prstGeom prst="rect">
+            <a:avLst/>
+          </a:prstGeom>
+          <a:solidFill>
+            <a:schemeClr val="bg1">
+              <a:lumMod val="95000"/>
+            </a:schemeClr>
+          </a:solidFill>
+          <a:ln>
+            <a:solidFill>
+              <a:schemeClr val="tx1"/>
+            </a:solidFill>
+          </a:ln>
+        </p:spPr>
+        <p:style>
+          <a:lnRef idx="2">
+            <a:schemeClr val="accent3">
+              <a:shade val="50000"/>
+            </a:schemeClr>
+          </a:lnRef>
+          <a:fillRef idx="1">
+            <a:schemeClr val="accent3"/>
+          </a:fillRef>
+          <a:effectRef idx="0">
+            <a:schemeClr val="accent3"/>
+          </a:effectRef>
+          <a:fontRef idx="minor">
+            <a:schemeClr val="lt1"/>
+          </a:fontRef>
+        </p:style>
+        <p:txBody>
+          <a:bodyPr wrap="square" rtlCol="0">
+            <a:spAutoFit/>
+          </a:bodyPr>
+          <a:lstStyle/>
+          <a:p>
+            <a:pPr algn="ctr"/>
+            <a:r>
+              <a:rPr lang="en-US" b="1" dirty="0">
+                <a:solidFill>
+                  <a:schemeClr val="tx1"/>
+                </a:solidFill>
+              </a:rPr>
+              <a:t>180 Degree Pivot Turn</a:t>
+            </a:r>
+          </a:p>
+        </p:txBody>
+      </p:sp>
+      <p:sp>
+        <p:nvSpPr>
+          <p:cNvPr id="7" name="TextBox 6"/>
+          <p:cNvSpPr txBox="1"/>
+          <p:nvPr/>
+        </p:nvSpPr>
+        <p:spPr>
+          <a:xfrm>
+            <a:off x="276087" y="3868344"/>
+            <a:ext cx="5497869" cy="369332"/>
+          </a:xfrm>
+          <a:prstGeom prst="rect">
+            <a:avLst/>
+          </a:prstGeom>
+          <a:solidFill>
+            <a:schemeClr val="bg1">
+              <a:lumMod val="95000"/>
+            </a:schemeClr>
+          </a:solidFill>
+          <a:ln>
+            <a:solidFill>
+              <a:schemeClr val="tx1"/>
+            </a:solidFill>
+          </a:ln>
+        </p:spPr>
+        <p:style>
+          <a:lnRef idx="2">
+            <a:schemeClr val="accent2">
+              <a:shade val="50000"/>
+            </a:schemeClr>
+          </a:lnRef>
+          <a:fillRef idx="1">
+            <a:schemeClr val="accent2"/>
+          </a:fillRef>
+          <a:effectRef idx="0">
+            <a:schemeClr val="accent2"/>
+          </a:effectRef>
+          <a:fontRef idx="minor">
+            <a:schemeClr val="lt1"/>
+          </a:fontRef>
+        </p:style>
+        <p:txBody>
+          <a:bodyPr wrap="square" rtlCol="0">
+            <a:spAutoFit/>
+          </a:bodyPr>
+          <a:lstStyle/>
+          <a:p>
+            <a:pPr algn="ctr"/>
+            <a:r>
+              <a:rPr lang="en-US" b="1" dirty="0">
+                <a:solidFill>
+                  <a:schemeClr val="tx1"/>
+                </a:solidFill>
+              </a:rPr>
+              <a:t>180 Degree Spin Turn</a:t>
+            </a:r>
+          </a:p>
+        </p:txBody>
+      </p:sp>
+      <p:sp>
+        <p:nvSpPr>
+          <p:cNvPr id="8" name="TextBox 7"/>
+          <p:cNvSpPr txBox="1"/>
+          <p:nvPr/>
+        </p:nvSpPr>
+        <p:spPr>
+          <a:xfrm>
+            <a:off x="6115189" y="1255771"/>
+            <a:ext cx="2805025" cy="4524316"/>
+          </a:xfrm>
+          <a:prstGeom prst="rect">
+            <a:avLst/>
+          </a:prstGeom>
+          <a:noFill/>
+        </p:spPr>
+        <p:txBody>
+          <a:bodyPr wrap="square" rtlCol="0">
+            <a:spAutoFit/>
+          </a:bodyPr>
+          <a:lstStyle/>
+          <a:p>
+            <a:r>
+              <a:rPr lang="en-US" dirty="0"/>
+              <a:t>Notice where the robot ends in both pictures after a 180 degree turn. </a:t>
+            </a:r>
+          </a:p>
+          <a:p>
+            <a:endParaRPr lang="en-US" dirty="0"/>
+          </a:p>
+          <a:p>
+            <a:r>
+              <a:rPr lang="en-US" dirty="0"/>
+              <a:t>In the Spin Turn, the robot moves a lot less and that makes Spin Turns are great for tight positions. Spin turns tend to be a bit faster but also a little less accurate.</a:t>
+            </a:r>
+          </a:p>
+          <a:p>
+            <a:endParaRPr lang="en-US" dirty="0"/>
+          </a:p>
+          <a:p>
+            <a:r>
+              <a:rPr lang="en-US" dirty="0"/>
+              <a:t>So when you need to make turns, you should decide which turn is best for you!</a:t>
+            </a:r>
+          </a:p>
+        </p:txBody>
+      </p:sp>
+      <p:grpSp>
+        <p:nvGrpSpPr>
+          <p:cNvPr id="10" name="Group 9"/>
+          <p:cNvGrpSpPr/>
+          <p:nvPr/>
+        </p:nvGrpSpPr>
+        <p:grpSpPr>
+          <a:xfrm rot="10800000">
+            <a:off x="4133980" y="4741368"/>
+            <a:ext cx="1164830" cy="1200156"/>
+            <a:chOff x="6507215" y="1347674"/>
+            <a:chExt cx="1164830" cy="1500074"/>
+          </a:xfrm>
+        </p:grpSpPr>
+        <p:grpSp>
+          <p:nvGrpSpPr>
+            <p:cNvPr id="11" name="Group 10"/>
+            <p:cNvGrpSpPr/>
+            <p:nvPr/>
+          </p:nvGrpSpPr>
+          <p:grpSpPr>
+            <a:xfrm rot="5400000">
+              <a:off x="6518632" y="1512901"/>
+              <a:ext cx="1141996" cy="1164830"/>
+              <a:chOff x="6310708" y="2223670"/>
+              <a:chExt cx="809489" cy="898563"/>
+            </a:xfrm>
+          </p:grpSpPr>
+          <p:sp>
+            <p:nvSpPr>
+              <p:cNvPr id="14" name="Rounded Rectangle 13"/>
+              <p:cNvSpPr/>
+              <p:nvPr/>
+            </p:nvSpPr>
+            <p:spPr>
+              <a:xfrm>
+                <a:off x="6451830" y="2223670"/>
+                <a:ext cx="519438" cy="898563"/>
+              </a:xfrm>
+              <a:prstGeom prst="roundRect">
+                <a:avLst/>
+              </a:prstGeom>
+              <a:solidFill>
+                <a:srgbClr val="FFD500"/>
+              </a:solidFill>
+              <a:ln>
+                <a:solidFill>
+                  <a:srgbClr val="000000"/>
+                </a:solidFill>
+              </a:ln>
+              <a:effectLst/>
+            </p:spPr>
+            <p:style>
+              <a:lnRef idx="1">
+                <a:schemeClr val="accent1"/>
+              </a:lnRef>
+              <a:fillRef idx="3">
+                <a:schemeClr val="accent1"/>
+              </a:fillRef>
+              <a:effectRef idx="2">
+                <a:schemeClr val="accent1"/>
+              </a:effectRef>
+              <a:fontRef idx="minor">
+                <a:schemeClr val="lt1"/>
+              </a:fontRef>
+            </p:style>
+            <p:txBody>
+              <a:bodyPr rtlCol="0" anchor="ctr"/>
+              <a:lstStyle/>
+              <a:p>
+                <a:pPr algn="ctr"/>
+                <a:endParaRPr lang="en-US"/>
+              </a:p>
+            </p:txBody>
+          </p:sp>
+          <p:sp>
+            <p:nvSpPr>
+              <p:cNvPr id="15" name="Rounded Rectangle 14"/>
+              <p:cNvSpPr/>
+              <p:nvPr/>
+            </p:nvSpPr>
+            <p:spPr>
+              <a:xfrm>
+                <a:off x="6979076" y="2525434"/>
+                <a:ext cx="141121" cy="295036"/>
+              </a:xfrm>
+              <a:prstGeom prst="roundRect">
+                <a:avLst/>
+              </a:prstGeom>
+              <a:solidFill>
+                <a:srgbClr val="13B09B"/>
+              </a:solidFill>
+              <a:ln>
+                <a:solidFill>
+                  <a:srgbClr val="000000"/>
+                </a:solidFill>
+              </a:ln>
+              <a:effectLst/>
+            </p:spPr>
+            <p:style>
+              <a:lnRef idx="1">
+                <a:schemeClr val="accent6"/>
+              </a:lnRef>
+              <a:fillRef idx="3">
+                <a:schemeClr val="accent6"/>
+              </a:fillRef>
+              <a:effectRef idx="2">
+                <a:schemeClr val="accent6"/>
+              </a:effectRef>
+              <a:fontRef idx="minor">
+                <a:schemeClr val="lt1"/>
+              </a:fontRef>
+            </p:style>
+            <p:txBody>
+              <a:bodyPr rtlCol="0" anchor="ctr"/>
+              <a:lstStyle/>
+              <a:p>
+                <a:pPr algn="ctr"/>
+                <a:endParaRPr lang="en-US">
+                  <a:effectLst/>
+                </a:endParaRPr>
+              </a:p>
+            </p:txBody>
+          </p:sp>
+          <p:sp>
+            <p:nvSpPr>
+              <p:cNvPr id="16" name="Rounded Rectangle 15"/>
+              <p:cNvSpPr/>
+              <p:nvPr/>
+            </p:nvSpPr>
+            <p:spPr>
+              <a:xfrm>
+                <a:off x="6310708" y="2525434"/>
+                <a:ext cx="141121" cy="295036"/>
+              </a:xfrm>
+              <a:prstGeom prst="roundRect">
+                <a:avLst/>
+              </a:prstGeom>
+              <a:solidFill>
+                <a:srgbClr val="13B09B"/>
+              </a:solidFill>
+              <a:ln>
+                <a:solidFill>
+                  <a:srgbClr val="000000"/>
+                </a:solidFill>
+              </a:ln>
+              <a:effectLst/>
+            </p:spPr>
+            <p:style>
+              <a:lnRef idx="1">
+                <a:schemeClr val="accent6"/>
+              </a:lnRef>
+              <a:fillRef idx="3">
+                <a:schemeClr val="accent6"/>
+              </a:fillRef>
+              <a:effectRef idx="2">
+                <a:schemeClr val="accent6"/>
+              </a:effectRef>
+              <a:fontRef idx="minor">
+                <a:schemeClr val="lt1"/>
+              </a:fontRef>
+            </p:style>
+            <p:txBody>
+              <a:bodyPr rtlCol="0" anchor="ctr"/>
+              <a:lstStyle/>
+              <a:p>
+                <a:pPr algn="ctr"/>
+                <a:endParaRPr lang="en-US">
+                  <a:effectLst/>
+                </a:endParaRPr>
+              </a:p>
+            </p:txBody>
+          </p:sp>
+          <p:sp>
+            <p:nvSpPr>
+              <p:cNvPr id="17" name="Oval 16"/>
+              <p:cNvSpPr>
+                <a:spLocks noChangeAspect="1"/>
+              </p:cNvSpPr>
+              <p:nvPr/>
+            </p:nvSpPr>
+            <p:spPr>
+              <a:xfrm>
+                <a:off x="6621904" y="2247641"/>
+                <a:ext cx="179290" cy="166284"/>
+              </a:xfrm>
+              <a:prstGeom prst="ellipse">
+                <a:avLst/>
+              </a:prstGeom>
+              <a:solidFill>
+                <a:srgbClr val="FF0000"/>
+              </a:solidFill>
+              <a:effectLst/>
+            </p:spPr>
+            <p:style>
+              <a:lnRef idx="1">
+                <a:schemeClr val="accent1"/>
+              </a:lnRef>
+              <a:fillRef idx="3">
+                <a:schemeClr val="accent1"/>
+              </a:fillRef>
+              <a:effectRef idx="2">
+                <a:schemeClr val="accent1"/>
+              </a:effectRef>
+              <a:fontRef idx="minor">
+                <a:schemeClr val="lt1"/>
+              </a:fontRef>
+            </p:style>
+            <p:txBody>
+              <a:bodyPr rtlCol="0" anchor="ctr"/>
+              <a:lstStyle/>
+              <a:p>
+                <a:pPr algn="ctr"/>
+                <a:endParaRPr lang="en-US"/>
+              </a:p>
+            </p:txBody>
+          </p:sp>
+        </p:grpSp>
+        <p:sp>
+          <p:nvSpPr>
+            <p:cNvPr id="12" name="TextBox 11"/>
+            <p:cNvSpPr txBox="1"/>
+            <p:nvPr/>
+          </p:nvSpPr>
+          <p:spPr>
+            <a:xfrm rot="10800000">
+              <a:off x="7092564" y="1347674"/>
+              <a:ext cx="465620" cy="461628"/>
+            </a:xfrm>
+            <a:prstGeom prst="rect">
+              <a:avLst/>
+            </a:prstGeom>
+            <a:noFill/>
+          </p:spPr>
+          <p:txBody>
+            <a:bodyPr wrap="square" rtlCol="0">
+              <a:spAutoFit/>
+            </a:bodyPr>
+            <a:lstStyle/>
+            <a:p>
+              <a:r>
+                <a:rPr lang="en-US" dirty="0"/>
+                <a:t>A</a:t>
+              </a:r>
+            </a:p>
+          </p:txBody>
+        </p:sp>
+        <p:sp>
+          <p:nvSpPr>
+            <p:cNvPr id="13" name="TextBox 12"/>
+            <p:cNvSpPr txBox="1"/>
+            <p:nvPr/>
+          </p:nvSpPr>
+          <p:spPr>
+            <a:xfrm rot="10800000">
+              <a:off x="7102544" y="2386120"/>
+              <a:ext cx="465620" cy="461628"/>
+            </a:xfrm>
+            <a:prstGeom prst="rect">
+              <a:avLst/>
+            </a:prstGeom>
+            <a:noFill/>
+          </p:spPr>
+          <p:txBody>
+            <a:bodyPr wrap="square" rtlCol="0">
+              <a:spAutoFit/>
+            </a:bodyPr>
+            <a:lstStyle/>
+            <a:p>
+              <a:r>
+                <a:rPr lang="en-US" dirty="0"/>
+                <a:t>E</a:t>
+              </a:r>
+            </a:p>
+          </p:txBody>
+        </p:sp>
+      </p:grpSp>
+      <p:sp>
+        <p:nvSpPr>
+          <p:cNvPr id="26" name="TextBox 25"/>
+          <p:cNvSpPr txBox="1"/>
+          <p:nvPr/>
+        </p:nvSpPr>
+        <p:spPr>
+          <a:xfrm>
+            <a:off x="457200" y="4373571"/>
+            <a:ext cx="1708440" cy="370199"/>
+          </a:xfrm>
+          <a:prstGeom prst="rect">
+            <a:avLst/>
+          </a:prstGeom>
+          <a:noFill/>
+        </p:spPr>
+        <p:txBody>
+          <a:bodyPr wrap="square" rtlCol="0">
+            <a:spAutoFit/>
+          </a:bodyPr>
+          <a:lstStyle/>
+          <a:p>
+            <a:pPr algn="ctr"/>
+            <a:r>
+              <a:rPr lang="en-US" dirty="0"/>
+              <a:t>Start Position</a:t>
+            </a:r>
+          </a:p>
+        </p:txBody>
+      </p:sp>
+      <p:sp>
+        <p:nvSpPr>
+          <p:cNvPr id="27" name="TextBox 26"/>
+          <p:cNvSpPr txBox="1"/>
+          <p:nvPr/>
+        </p:nvSpPr>
+        <p:spPr>
+          <a:xfrm>
+            <a:off x="3894082" y="4375841"/>
+            <a:ext cx="1708440" cy="370199"/>
+          </a:xfrm>
+          <a:prstGeom prst="rect">
+            <a:avLst/>
+          </a:prstGeom>
+          <a:noFill/>
+        </p:spPr>
+        <p:txBody>
+          <a:bodyPr wrap="square" rtlCol="0">
+            <a:spAutoFit/>
+          </a:bodyPr>
+          <a:lstStyle/>
+          <a:p>
+            <a:pPr algn="ctr"/>
+            <a:r>
+              <a:rPr lang="en-US" dirty="0"/>
+              <a:t>End Position</a:t>
+            </a:r>
+          </a:p>
+        </p:txBody>
+      </p:sp>
+      <p:sp>
+        <p:nvSpPr>
+          <p:cNvPr id="28" name="TextBox 27"/>
+          <p:cNvSpPr txBox="1"/>
+          <p:nvPr/>
+        </p:nvSpPr>
+        <p:spPr>
+          <a:xfrm>
+            <a:off x="2441774" y="4895252"/>
+            <a:ext cx="1339047" cy="923330"/>
+          </a:xfrm>
+          <a:prstGeom prst="rect">
+            <a:avLst/>
+          </a:prstGeom>
+          <a:noFill/>
+        </p:spPr>
+        <p:txBody>
+          <a:bodyPr wrap="square" rtlCol="0">
+            <a:spAutoFit/>
+          </a:bodyPr>
+          <a:lstStyle/>
+          <a:p>
+            <a:pPr algn="ctr"/>
+            <a:r>
+              <a:rPr lang="en-US" dirty="0"/>
+              <a:t>Motors </a:t>
+            </a:r>
+          </a:p>
+          <a:p>
+            <a:pPr algn="ctr"/>
+            <a:r>
+              <a:rPr lang="en-US" dirty="0"/>
+              <a:t>A and E Move</a:t>
+            </a:r>
+          </a:p>
+        </p:txBody>
+      </p:sp>
+      <p:grpSp>
+        <p:nvGrpSpPr>
+          <p:cNvPr id="38" name="Group 37"/>
+          <p:cNvGrpSpPr/>
+          <p:nvPr/>
+        </p:nvGrpSpPr>
+        <p:grpSpPr>
+          <a:xfrm rot="10800000">
+            <a:off x="4051860" y="2570197"/>
+            <a:ext cx="1164830" cy="1200215"/>
+            <a:chOff x="6507215" y="1338644"/>
+            <a:chExt cx="1164830" cy="1529495"/>
+          </a:xfrm>
+        </p:grpSpPr>
+        <p:grpSp>
+          <p:nvGrpSpPr>
+            <p:cNvPr id="39" name="Group 38"/>
+            <p:cNvGrpSpPr/>
+            <p:nvPr/>
+          </p:nvGrpSpPr>
+          <p:grpSpPr>
+            <a:xfrm rot="5400000">
+              <a:off x="6518632" y="1512901"/>
+              <a:ext cx="1141996" cy="1164830"/>
+              <a:chOff x="6310708" y="2223670"/>
+              <a:chExt cx="809489" cy="898563"/>
+            </a:xfrm>
+          </p:grpSpPr>
+          <p:sp>
+            <p:nvSpPr>
+              <p:cNvPr id="42" name="Rounded Rectangle 41"/>
+              <p:cNvSpPr/>
+              <p:nvPr/>
+            </p:nvSpPr>
+            <p:spPr>
+              <a:xfrm>
+                <a:off x="6451830" y="2223670"/>
+                <a:ext cx="519438" cy="898563"/>
+              </a:xfrm>
+              <a:prstGeom prst="roundRect">
+                <a:avLst/>
+              </a:prstGeom>
+              <a:solidFill>
+                <a:srgbClr val="FFD500"/>
+              </a:solidFill>
+              <a:ln>
+                <a:solidFill>
+                  <a:srgbClr val="000000"/>
+                </a:solidFill>
+              </a:ln>
+              <a:effectLst/>
+            </p:spPr>
+            <p:style>
+              <a:lnRef idx="1">
+                <a:schemeClr val="accent1"/>
+              </a:lnRef>
+              <a:fillRef idx="3">
+                <a:schemeClr val="accent1"/>
+              </a:fillRef>
+              <a:effectRef idx="2">
+                <a:schemeClr val="accent1"/>
+              </a:effectRef>
+              <a:fontRef idx="minor">
+                <a:schemeClr val="lt1"/>
+              </a:fontRef>
+            </p:style>
+            <p:txBody>
+              <a:bodyPr rtlCol="0" anchor="ctr"/>
+              <a:lstStyle/>
+              <a:p>
+                <a:pPr algn="ctr"/>
+                <a:endParaRPr lang="en-US"/>
+              </a:p>
+            </p:txBody>
+          </p:sp>
+          <p:sp>
+            <p:nvSpPr>
+              <p:cNvPr id="43" name="Rounded Rectangle 42"/>
+              <p:cNvSpPr/>
+              <p:nvPr/>
+            </p:nvSpPr>
+            <p:spPr>
+              <a:xfrm>
+                <a:off x="6979076" y="2525434"/>
+                <a:ext cx="141121" cy="295036"/>
+              </a:xfrm>
+              <a:prstGeom prst="roundRect">
+                <a:avLst/>
+              </a:prstGeom>
+              <a:solidFill>
+                <a:srgbClr val="13B09B"/>
+              </a:solidFill>
+              <a:ln>
+                <a:solidFill>
+                  <a:srgbClr val="000000"/>
+                </a:solidFill>
+              </a:ln>
+              <a:effectLst/>
+            </p:spPr>
+            <p:style>
+              <a:lnRef idx="1">
+                <a:schemeClr val="accent6"/>
+              </a:lnRef>
+              <a:fillRef idx="3">
+                <a:schemeClr val="accent6"/>
+              </a:fillRef>
+              <a:effectRef idx="2">
+                <a:schemeClr val="accent6"/>
+              </a:effectRef>
+              <a:fontRef idx="minor">
+                <a:schemeClr val="lt1"/>
+              </a:fontRef>
+            </p:style>
+            <p:txBody>
+              <a:bodyPr rtlCol="0" anchor="ctr"/>
+              <a:lstStyle/>
+              <a:p>
+                <a:pPr algn="ctr"/>
+                <a:endParaRPr lang="en-US" dirty="0">
+                  <a:effectLst/>
+                </a:endParaRPr>
+              </a:p>
+            </p:txBody>
+          </p:sp>
+          <p:sp>
+            <p:nvSpPr>
+              <p:cNvPr id="44" name="Rounded Rectangle 43"/>
+              <p:cNvSpPr/>
+              <p:nvPr/>
+            </p:nvSpPr>
+            <p:spPr>
+              <a:xfrm>
+                <a:off x="6310708" y="2525434"/>
+                <a:ext cx="141121" cy="295036"/>
+              </a:xfrm>
+              <a:prstGeom prst="roundRect">
+                <a:avLst/>
+              </a:prstGeom>
+              <a:solidFill>
+                <a:srgbClr val="13B09B"/>
+              </a:solidFill>
+              <a:ln>
+                <a:solidFill>
+                  <a:srgbClr val="000000"/>
+                </a:solidFill>
+              </a:ln>
+              <a:effectLst/>
+            </p:spPr>
+            <p:style>
+              <a:lnRef idx="1">
+                <a:schemeClr val="accent6"/>
+              </a:lnRef>
+              <a:fillRef idx="3">
+                <a:schemeClr val="accent6"/>
+              </a:fillRef>
+              <a:effectRef idx="2">
+                <a:schemeClr val="accent6"/>
+              </a:effectRef>
+              <a:fontRef idx="minor">
+                <a:schemeClr val="lt1"/>
+              </a:fontRef>
+            </p:style>
+            <p:txBody>
+              <a:bodyPr rtlCol="0" anchor="ctr"/>
+              <a:lstStyle/>
+              <a:p>
+                <a:pPr algn="ctr"/>
+                <a:endParaRPr lang="en-US">
+                  <a:effectLst/>
+                </a:endParaRPr>
+              </a:p>
+            </p:txBody>
+          </p:sp>
+          <p:sp>
+            <p:nvSpPr>
+              <p:cNvPr id="45" name="Oval 44"/>
+              <p:cNvSpPr>
+                <a:spLocks noChangeAspect="1"/>
+              </p:cNvSpPr>
+              <p:nvPr/>
+            </p:nvSpPr>
+            <p:spPr>
+              <a:xfrm>
+                <a:off x="6621904" y="2247641"/>
+                <a:ext cx="179290" cy="166284"/>
+              </a:xfrm>
+              <a:prstGeom prst="ellipse">
+                <a:avLst/>
+              </a:prstGeom>
+              <a:solidFill>
+                <a:srgbClr val="FF0000"/>
+              </a:solidFill>
+              <a:effectLst/>
+            </p:spPr>
+            <p:style>
+              <a:lnRef idx="1">
+                <a:schemeClr val="accent1"/>
+              </a:lnRef>
+              <a:fillRef idx="3">
+                <a:schemeClr val="accent1"/>
+              </a:fillRef>
+              <a:effectRef idx="2">
+                <a:schemeClr val="accent1"/>
+              </a:effectRef>
+              <a:fontRef idx="minor">
+                <a:schemeClr val="lt1"/>
+              </a:fontRef>
+            </p:style>
+            <p:txBody>
+              <a:bodyPr rtlCol="0" anchor="ctr"/>
+              <a:lstStyle/>
+              <a:p>
+                <a:pPr algn="ctr"/>
+                <a:endParaRPr lang="en-US"/>
+              </a:p>
+            </p:txBody>
+          </p:sp>
+        </p:grpSp>
+        <p:sp>
+          <p:nvSpPr>
+            <p:cNvPr id="40" name="TextBox 39"/>
+            <p:cNvSpPr txBox="1"/>
+            <p:nvPr/>
+          </p:nvSpPr>
+          <p:spPr>
+            <a:xfrm rot="10800000">
+              <a:off x="7092564" y="1338644"/>
+              <a:ext cx="465620" cy="470659"/>
+            </a:xfrm>
+            <a:prstGeom prst="rect">
+              <a:avLst/>
+            </a:prstGeom>
+            <a:noFill/>
+          </p:spPr>
+          <p:txBody>
+            <a:bodyPr wrap="square" rtlCol="0">
+              <a:spAutoFit/>
+            </a:bodyPr>
+            <a:lstStyle/>
+            <a:p>
+              <a:r>
+                <a:rPr lang="en-US" dirty="0"/>
+                <a:t>A</a:t>
+              </a:r>
+            </a:p>
+          </p:txBody>
+        </p:sp>
+        <p:sp>
+          <p:nvSpPr>
+            <p:cNvPr id="41" name="TextBox 40"/>
+            <p:cNvSpPr txBox="1"/>
+            <p:nvPr/>
+          </p:nvSpPr>
+          <p:spPr>
+            <a:xfrm rot="10800000">
+              <a:off x="7102544" y="2397480"/>
+              <a:ext cx="465620" cy="470659"/>
+            </a:xfrm>
+            <a:prstGeom prst="rect">
+              <a:avLst/>
+            </a:prstGeom>
+            <a:noFill/>
+          </p:spPr>
+          <p:txBody>
+            <a:bodyPr wrap="square" rtlCol="0">
+              <a:spAutoFit/>
+            </a:bodyPr>
+            <a:lstStyle/>
+            <a:p>
+              <a:r>
+                <a:rPr lang="en-US" dirty="0"/>
+                <a:t>E</a:t>
+              </a:r>
+            </a:p>
+          </p:txBody>
+        </p:sp>
+      </p:grpSp>
+      <p:sp>
+        <p:nvSpPr>
+          <p:cNvPr id="46" name="TextBox 45"/>
+          <p:cNvSpPr txBox="1"/>
+          <p:nvPr/>
+        </p:nvSpPr>
+        <p:spPr>
+          <a:xfrm>
+            <a:off x="2371071" y="1928574"/>
+            <a:ext cx="1339047" cy="646331"/>
+          </a:xfrm>
+          <a:prstGeom prst="rect">
+            <a:avLst/>
+          </a:prstGeom>
+          <a:noFill/>
+        </p:spPr>
+        <p:txBody>
+          <a:bodyPr wrap="square" rtlCol="0">
+            <a:spAutoFit/>
+          </a:bodyPr>
+          <a:lstStyle/>
+          <a:p>
+            <a:pPr algn="ctr"/>
+            <a:r>
+              <a:rPr lang="en-US" dirty="0"/>
+              <a:t>Motor </a:t>
+            </a:r>
+          </a:p>
+          <a:p>
+            <a:pPr algn="ctr"/>
+            <a:r>
+              <a:rPr lang="en-US" dirty="0"/>
+              <a:t>A Moves</a:t>
+            </a:r>
+          </a:p>
+        </p:txBody>
+      </p:sp>
+      <p:sp>
+        <p:nvSpPr>
+          <p:cNvPr id="50" name="TextBox 49"/>
+          <p:cNvSpPr txBox="1"/>
+          <p:nvPr/>
+        </p:nvSpPr>
+        <p:spPr>
+          <a:xfrm>
+            <a:off x="457200" y="2918543"/>
+            <a:ext cx="1708440" cy="370199"/>
+          </a:xfrm>
+          <a:prstGeom prst="rect">
+            <a:avLst/>
+          </a:prstGeom>
+          <a:noFill/>
+        </p:spPr>
+        <p:txBody>
+          <a:bodyPr wrap="square" rtlCol="0">
+            <a:spAutoFit/>
+          </a:bodyPr>
+          <a:lstStyle/>
+          <a:p>
+            <a:pPr algn="ctr"/>
+            <a:r>
+              <a:rPr lang="en-US" dirty="0"/>
+              <a:t>Start Position</a:t>
+            </a:r>
+          </a:p>
+        </p:txBody>
+      </p:sp>
+      <p:sp>
+        <p:nvSpPr>
+          <p:cNvPr id="51" name="TextBox 50"/>
+          <p:cNvSpPr txBox="1"/>
+          <p:nvPr/>
+        </p:nvSpPr>
+        <p:spPr>
+          <a:xfrm>
+            <a:off x="3894858" y="1725371"/>
+            <a:ext cx="1708440" cy="370199"/>
+          </a:xfrm>
+          <a:prstGeom prst="rect">
+            <a:avLst/>
+          </a:prstGeom>
+          <a:noFill/>
+        </p:spPr>
+        <p:txBody>
+          <a:bodyPr wrap="square" rtlCol="0">
+            <a:spAutoFit/>
+          </a:bodyPr>
+          <a:lstStyle/>
+          <a:p>
+            <a:pPr algn="ctr"/>
+            <a:r>
+              <a:rPr lang="en-US" dirty="0"/>
+              <a:t>End Position</a:t>
+            </a:r>
+          </a:p>
+        </p:txBody>
+      </p:sp>
+      <p:grpSp>
+        <p:nvGrpSpPr>
+          <p:cNvPr id="89" name="Group 88"/>
+          <p:cNvGrpSpPr/>
+          <p:nvPr/>
+        </p:nvGrpSpPr>
+        <p:grpSpPr>
+          <a:xfrm>
+            <a:off x="892871" y="1619169"/>
+            <a:ext cx="1386064" cy="1228949"/>
+            <a:chOff x="892871" y="1599143"/>
+            <a:chExt cx="1386064" cy="1566113"/>
+          </a:xfrm>
+        </p:grpSpPr>
+        <p:grpSp>
+          <p:nvGrpSpPr>
+            <p:cNvPr id="30" name="Group 29"/>
+            <p:cNvGrpSpPr/>
+            <p:nvPr/>
+          </p:nvGrpSpPr>
+          <p:grpSpPr>
+            <a:xfrm>
+              <a:off x="892871" y="1599143"/>
+              <a:ext cx="1199001" cy="1566113"/>
+              <a:chOff x="6507213" y="1291726"/>
+              <a:chExt cx="1199001" cy="1566113"/>
+            </a:xfrm>
+          </p:grpSpPr>
+          <p:grpSp>
+            <p:nvGrpSpPr>
+              <p:cNvPr id="31" name="Group 30"/>
+              <p:cNvGrpSpPr/>
+              <p:nvPr/>
+            </p:nvGrpSpPr>
+            <p:grpSpPr>
+              <a:xfrm rot="5400000">
+                <a:off x="6518630" y="1512901"/>
+                <a:ext cx="1141996" cy="1164830"/>
+                <a:chOff x="6310708" y="2223671"/>
+                <a:chExt cx="809489" cy="898563"/>
+              </a:xfrm>
+            </p:grpSpPr>
+            <p:sp>
+              <p:nvSpPr>
+                <p:cNvPr id="34" name="Rounded Rectangle 33"/>
+                <p:cNvSpPr/>
+                <p:nvPr/>
+              </p:nvSpPr>
+              <p:spPr>
+                <a:xfrm>
+                  <a:off x="6451830" y="2223671"/>
+                  <a:ext cx="519438" cy="898563"/>
+                </a:xfrm>
+                <a:prstGeom prst="roundRect">
+                  <a:avLst/>
+                </a:prstGeom>
+                <a:solidFill>
+                  <a:srgbClr val="FFD500"/>
+                </a:solidFill>
+                <a:ln>
+                  <a:solidFill>
+                    <a:srgbClr val="000000"/>
+                  </a:solidFill>
+                </a:ln>
+                <a:effectLst/>
+              </p:spPr>
+              <p:style>
+                <a:lnRef idx="1">
+                  <a:schemeClr val="accent1"/>
+                </a:lnRef>
+                <a:fillRef idx="3">
+                  <a:schemeClr val="accent1"/>
+                </a:fillRef>
+                <a:effectRef idx="2">
+                  <a:schemeClr val="accent1"/>
+                </a:effectRef>
+                <a:fontRef idx="minor">
+                  <a:schemeClr val="lt1"/>
+                </a:fontRef>
+              </p:style>
+              <p:txBody>
+                <a:bodyPr rtlCol="0" anchor="ctr"/>
+                <a:lstStyle/>
+                <a:p>
+                  <a:pPr algn="ctr"/>
+                  <a:endParaRPr lang="en-US"/>
+                </a:p>
+              </p:txBody>
+            </p:sp>
+            <p:sp>
+              <p:nvSpPr>
+                <p:cNvPr id="35" name="Rounded Rectangle 34"/>
+                <p:cNvSpPr/>
+                <p:nvPr/>
+              </p:nvSpPr>
+              <p:spPr>
+                <a:xfrm>
+                  <a:off x="6979076" y="2525434"/>
+                  <a:ext cx="141121" cy="295036"/>
+                </a:xfrm>
+                <a:prstGeom prst="roundRect">
+                  <a:avLst/>
+                </a:prstGeom>
+                <a:solidFill>
+                  <a:srgbClr val="13B09B"/>
+                </a:solidFill>
+                <a:ln>
+                  <a:solidFill>
+                    <a:srgbClr val="000000"/>
+                  </a:solidFill>
+                </a:ln>
+                <a:effectLst/>
+              </p:spPr>
+              <p:style>
+                <a:lnRef idx="1">
+                  <a:schemeClr val="accent6"/>
+                </a:lnRef>
+                <a:fillRef idx="3">
+                  <a:schemeClr val="accent6"/>
+                </a:fillRef>
+                <a:effectRef idx="2">
+                  <a:schemeClr val="accent6"/>
+                </a:effectRef>
+                <a:fontRef idx="minor">
+                  <a:schemeClr val="lt1"/>
+                </a:fontRef>
+              </p:style>
+              <p:txBody>
+                <a:bodyPr rtlCol="0" anchor="ctr"/>
+                <a:lstStyle/>
+                <a:p>
+                  <a:pPr algn="ctr"/>
+                  <a:endParaRPr lang="en-US">
+                    <a:effectLst/>
+                  </a:endParaRPr>
+                </a:p>
+              </p:txBody>
+            </p:sp>
+            <p:sp>
+              <p:nvSpPr>
+                <p:cNvPr id="36" name="Rounded Rectangle 35"/>
+                <p:cNvSpPr/>
+                <p:nvPr/>
+              </p:nvSpPr>
+              <p:spPr>
+                <a:xfrm>
+                  <a:off x="6310708" y="2525434"/>
+                  <a:ext cx="141121" cy="295036"/>
+                </a:xfrm>
+                <a:prstGeom prst="roundRect">
+                  <a:avLst/>
+                </a:prstGeom>
+                <a:solidFill>
+                  <a:srgbClr val="13B09B"/>
+                </a:solidFill>
+                <a:ln>
+                  <a:solidFill>
+                    <a:srgbClr val="000000"/>
+                  </a:solidFill>
+                </a:ln>
+                <a:effectLst/>
+              </p:spPr>
+              <p:style>
+                <a:lnRef idx="1">
+                  <a:schemeClr val="accent6"/>
+                </a:lnRef>
+                <a:fillRef idx="3">
+                  <a:schemeClr val="accent6"/>
+                </a:fillRef>
+                <a:effectRef idx="2">
+                  <a:schemeClr val="accent6"/>
+                </a:effectRef>
+                <a:fontRef idx="minor">
+                  <a:schemeClr val="lt1"/>
+                </a:fontRef>
+              </p:style>
+              <p:txBody>
+                <a:bodyPr rtlCol="0" anchor="ctr"/>
+                <a:lstStyle/>
+                <a:p>
+                  <a:pPr algn="ctr"/>
+                  <a:endParaRPr lang="en-US">
+                    <a:effectLst/>
+                  </a:endParaRPr>
+                </a:p>
+              </p:txBody>
+            </p:sp>
+            <p:sp>
+              <p:nvSpPr>
+                <p:cNvPr id="37" name="Oval 36"/>
+                <p:cNvSpPr>
+                  <a:spLocks noChangeAspect="1"/>
+                </p:cNvSpPr>
+                <p:nvPr/>
+              </p:nvSpPr>
+              <p:spPr>
+                <a:xfrm>
+                  <a:off x="6621904" y="2247641"/>
+                  <a:ext cx="179290" cy="166284"/>
+                </a:xfrm>
+                <a:prstGeom prst="ellipse">
+                  <a:avLst/>
+                </a:prstGeom>
+                <a:solidFill>
+                  <a:srgbClr val="FF0000"/>
+                </a:solidFill>
+                <a:effectLst/>
+              </p:spPr>
+              <p:style>
+                <a:lnRef idx="1">
+                  <a:schemeClr val="accent1"/>
+                </a:lnRef>
+                <a:fillRef idx="3">
+                  <a:schemeClr val="accent1"/>
+                </a:fillRef>
+                <a:effectRef idx="2">
+                  <a:schemeClr val="accent1"/>
+                </a:effectRef>
+                <a:fontRef idx="minor">
+                  <a:schemeClr val="lt1"/>
+                </a:fontRef>
+              </p:style>
+              <p:txBody>
+                <a:bodyPr rtlCol="0" anchor="ctr"/>
+                <a:lstStyle/>
+                <a:p>
+                  <a:pPr algn="ctr"/>
+                  <a:endParaRPr lang="en-US"/>
+                </a:p>
+              </p:txBody>
+            </p:sp>
+          </p:grpSp>
+          <p:sp>
+            <p:nvSpPr>
+              <p:cNvPr id="32" name="TextBox 31"/>
+              <p:cNvSpPr txBox="1"/>
+              <p:nvPr/>
+            </p:nvSpPr>
+            <p:spPr>
+              <a:xfrm>
+                <a:off x="7216809" y="1291726"/>
+                <a:ext cx="465620" cy="470659"/>
+              </a:xfrm>
+              <a:prstGeom prst="rect">
+                <a:avLst/>
+              </a:prstGeom>
+              <a:noFill/>
+            </p:spPr>
+            <p:txBody>
+              <a:bodyPr wrap="square" rtlCol="0">
+                <a:spAutoFit/>
+              </a:bodyPr>
+              <a:lstStyle/>
+              <a:p>
+                <a:r>
+                  <a:rPr lang="en-US" dirty="0"/>
+                  <a:t>A</a:t>
+                </a:r>
+              </a:p>
+            </p:txBody>
+          </p:sp>
+          <p:sp>
+            <p:nvSpPr>
+              <p:cNvPr id="33" name="TextBox 32"/>
+              <p:cNvSpPr txBox="1"/>
+              <p:nvPr/>
+            </p:nvSpPr>
+            <p:spPr>
+              <a:xfrm>
+                <a:off x="7240594" y="2387180"/>
+                <a:ext cx="465620" cy="470659"/>
+              </a:xfrm>
+              <a:prstGeom prst="rect">
+                <a:avLst/>
+              </a:prstGeom>
+              <a:noFill/>
+            </p:spPr>
+            <p:txBody>
+              <a:bodyPr wrap="square" rtlCol="0">
+                <a:spAutoFit/>
+              </a:bodyPr>
+              <a:lstStyle/>
+              <a:p>
+                <a:r>
+                  <a:rPr lang="en-US" dirty="0"/>
+                  <a:t>E</a:t>
+                </a:r>
+              </a:p>
+            </p:txBody>
+          </p:sp>
+        </p:grpSp>
+        <p:cxnSp>
+          <p:nvCxnSpPr>
+            <p:cNvPr id="53" name="Curved Connector 52"/>
+            <p:cNvCxnSpPr/>
+            <p:nvPr/>
+          </p:nvCxnSpPr>
+          <p:spPr>
+            <a:xfrm>
+              <a:off x="1930037" y="1876829"/>
+              <a:ext cx="348898" cy="393929"/>
+            </a:xfrm>
+            <a:prstGeom prst="curvedConnector2">
+              <a:avLst/>
+            </a:prstGeom>
+            <a:ln>
+              <a:solidFill>
+                <a:srgbClr val="FF0000"/>
+              </a:solidFill>
+              <a:tailEnd type="arrow"/>
+            </a:ln>
+          </p:spPr>
+          <p:style>
+            <a:lnRef idx="2">
+              <a:schemeClr val="accent1"/>
+            </a:lnRef>
+            <a:fillRef idx="0">
+              <a:schemeClr val="accent1"/>
+            </a:fillRef>
+            <a:effectRef idx="1">
+              <a:schemeClr val="accent1"/>
+            </a:effectRef>
+            <a:fontRef idx="minor">
+              <a:schemeClr val="tx1"/>
+            </a:fontRef>
+          </p:style>
+        </p:cxnSp>
+      </p:grpSp>
+      <p:grpSp>
+        <p:nvGrpSpPr>
+          <p:cNvPr id="88" name="Group 87"/>
+          <p:cNvGrpSpPr/>
+          <p:nvPr/>
+        </p:nvGrpSpPr>
+        <p:grpSpPr>
+          <a:xfrm>
+            <a:off x="648829" y="4706213"/>
+            <a:ext cx="1485589" cy="1229740"/>
+            <a:chOff x="648829" y="4735413"/>
+            <a:chExt cx="1485589" cy="1537051"/>
+          </a:xfrm>
+        </p:grpSpPr>
+        <p:grpSp>
+          <p:nvGrpSpPr>
+            <p:cNvPr id="18" name="Group 17"/>
+            <p:cNvGrpSpPr/>
+            <p:nvPr/>
+          </p:nvGrpSpPr>
+          <p:grpSpPr>
+            <a:xfrm>
+              <a:off x="809518" y="4735413"/>
+              <a:ext cx="1199001" cy="1537051"/>
+              <a:chOff x="6507213" y="1311758"/>
+              <a:chExt cx="1199001" cy="1537051"/>
+            </a:xfrm>
+          </p:grpSpPr>
+          <p:grpSp>
+            <p:nvGrpSpPr>
+              <p:cNvPr id="19" name="Group 18"/>
+              <p:cNvGrpSpPr/>
+              <p:nvPr/>
+            </p:nvGrpSpPr>
+            <p:grpSpPr>
+              <a:xfrm rot="5400000">
+                <a:off x="6518630" y="1512901"/>
+                <a:ext cx="1141996" cy="1164830"/>
+                <a:chOff x="6310708" y="2223671"/>
+                <a:chExt cx="809489" cy="898563"/>
+              </a:xfrm>
+            </p:grpSpPr>
+            <p:sp>
+              <p:nvSpPr>
+                <p:cNvPr id="22" name="Rounded Rectangle 21"/>
+                <p:cNvSpPr/>
+                <p:nvPr/>
+              </p:nvSpPr>
+              <p:spPr>
+                <a:xfrm>
+                  <a:off x="6451830" y="2223671"/>
+                  <a:ext cx="519438" cy="898563"/>
+                </a:xfrm>
+                <a:prstGeom prst="roundRect">
+                  <a:avLst/>
+                </a:prstGeom>
+                <a:solidFill>
+                  <a:srgbClr val="FFD500"/>
+                </a:solidFill>
+                <a:ln>
+                  <a:solidFill>
+                    <a:srgbClr val="000000"/>
+                  </a:solidFill>
+                </a:ln>
+                <a:effectLst/>
+              </p:spPr>
+              <p:style>
+                <a:lnRef idx="1">
+                  <a:schemeClr val="accent1"/>
+                </a:lnRef>
+                <a:fillRef idx="3">
+                  <a:schemeClr val="accent1"/>
+                </a:fillRef>
+                <a:effectRef idx="2">
+                  <a:schemeClr val="accent1"/>
+                </a:effectRef>
+                <a:fontRef idx="minor">
+                  <a:schemeClr val="lt1"/>
+                </a:fontRef>
+              </p:style>
+              <p:txBody>
+                <a:bodyPr rtlCol="0" anchor="ctr"/>
+                <a:lstStyle/>
+                <a:p>
+                  <a:pPr algn="ctr"/>
+                  <a:endParaRPr lang="en-US"/>
+                </a:p>
+              </p:txBody>
+            </p:sp>
+            <p:sp>
+              <p:nvSpPr>
+                <p:cNvPr id="23" name="Rounded Rectangle 22"/>
+                <p:cNvSpPr/>
+                <p:nvPr/>
+              </p:nvSpPr>
+              <p:spPr>
+                <a:xfrm>
+                  <a:off x="6979076" y="2525434"/>
+                  <a:ext cx="141121" cy="295036"/>
+                </a:xfrm>
+                <a:prstGeom prst="roundRect">
+                  <a:avLst/>
+                </a:prstGeom>
+                <a:solidFill>
+                  <a:srgbClr val="13B09B"/>
+                </a:solidFill>
+                <a:ln>
+                  <a:solidFill>
+                    <a:srgbClr val="000000"/>
+                  </a:solidFill>
+                </a:ln>
+                <a:effectLst/>
+              </p:spPr>
+              <p:style>
+                <a:lnRef idx="1">
+                  <a:schemeClr val="accent6"/>
+                </a:lnRef>
+                <a:fillRef idx="3">
+                  <a:schemeClr val="accent6"/>
+                </a:fillRef>
+                <a:effectRef idx="2">
+                  <a:schemeClr val="accent6"/>
+                </a:effectRef>
+                <a:fontRef idx="minor">
+                  <a:schemeClr val="lt1"/>
+                </a:fontRef>
+              </p:style>
+              <p:txBody>
+                <a:bodyPr rtlCol="0" anchor="ctr"/>
+                <a:lstStyle/>
+                <a:p>
+                  <a:pPr algn="ctr"/>
+                  <a:endParaRPr lang="en-US">
+                    <a:effectLst/>
+                  </a:endParaRPr>
+                </a:p>
+              </p:txBody>
+            </p:sp>
+            <p:sp>
+              <p:nvSpPr>
+                <p:cNvPr id="24" name="Rounded Rectangle 23"/>
+                <p:cNvSpPr/>
+                <p:nvPr/>
+              </p:nvSpPr>
+              <p:spPr>
+                <a:xfrm>
+                  <a:off x="6310708" y="2525434"/>
+                  <a:ext cx="141121" cy="295036"/>
+                </a:xfrm>
+                <a:prstGeom prst="roundRect">
+                  <a:avLst/>
+                </a:prstGeom>
+                <a:solidFill>
+                  <a:srgbClr val="13B09B"/>
+                </a:solidFill>
+                <a:ln>
+                  <a:solidFill>
+                    <a:srgbClr val="000000"/>
+                  </a:solidFill>
+                </a:ln>
+                <a:effectLst/>
+              </p:spPr>
+              <p:style>
+                <a:lnRef idx="1">
+                  <a:schemeClr val="accent6"/>
+                </a:lnRef>
+                <a:fillRef idx="3">
+                  <a:schemeClr val="accent6"/>
+                </a:fillRef>
+                <a:effectRef idx="2">
+                  <a:schemeClr val="accent6"/>
+                </a:effectRef>
+                <a:fontRef idx="minor">
+                  <a:schemeClr val="lt1"/>
+                </a:fontRef>
+              </p:style>
+              <p:txBody>
+                <a:bodyPr rtlCol="0" anchor="ctr"/>
+                <a:lstStyle/>
+                <a:p>
+                  <a:pPr algn="ctr"/>
+                  <a:endParaRPr lang="en-US" dirty="0">
+                    <a:effectLst/>
+                  </a:endParaRPr>
+                </a:p>
+              </p:txBody>
+            </p:sp>
+            <p:sp>
+              <p:nvSpPr>
+                <p:cNvPr id="25" name="Oval 24"/>
+                <p:cNvSpPr>
+                  <a:spLocks noChangeAspect="1"/>
+                </p:cNvSpPr>
+                <p:nvPr/>
+              </p:nvSpPr>
+              <p:spPr>
+                <a:xfrm>
+                  <a:off x="6621904" y="2247641"/>
+                  <a:ext cx="179290" cy="166284"/>
+                </a:xfrm>
+                <a:prstGeom prst="ellipse">
+                  <a:avLst/>
+                </a:prstGeom>
+                <a:solidFill>
+                  <a:srgbClr val="FF0000"/>
+                </a:solidFill>
+                <a:effectLst/>
+              </p:spPr>
+              <p:style>
+                <a:lnRef idx="1">
+                  <a:schemeClr val="accent1"/>
+                </a:lnRef>
+                <a:fillRef idx="3">
+                  <a:schemeClr val="accent1"/>
+                </a:fillRef>
+                <a:effectRef idx="2">
+                  <a:schemeClr val="accent1"/>
+                </a:effectRef>
+                <a:fontRef idx="minor">
+                  <a:schemeClr val="lt1"/>
+                </a:fontRef>
+              </p:style>
+              <p:txBody>
+                <a:bodyPr rtlCol="0" anchor="ctr"/>
+                <a:lstStyle/>
+                <a:p>
+                  <a:pPr algn="ctr"/>
+                  <a:endParaRPr lang="en-US"/>
+                </a:p>
+              </p:txBody>
+            </p:sp>
+          </p:grpSp>
+          <p:sp>
+            <p:nvSpPr>
+              <p:cNvPr id="20" name="TextBox 19"/>
+              <p:cNvSpPr txBox="1"/>
+              <p:nvPr/>
+            </p:nvSpPr>
+            <p:spPr>
+              <a:xfrm>
+                <a:off x="7216809" y="1311758"/>
+                <a:ext cx="465620" cy="461628"/>
+              </a:xfrm>
+              <a:prstGeom prst="rect">
+                <a:avLst/>
+              </a:prstGeom>
+              <a:noFill/>
+            </p:spPr>
+            <p:txBody>
+              <a:bodyPr wrap="square" rtlCol="0">
+                <a:spAutoFit/>
+              </a:bodyPr>
+              <a:lstStyle/>
+              <a:p>
+                <a:r>
+                  <a:rPr lang="en-US" dirty="0"/>
+                  <a:t>A</a:t>
+                </a:r>
+              </a:p>
+            </p:txBody>
+          </p:sp>
+          <p:sp>
+            <p:nvSpPr>
+              <p:cNvPr id="21" name="TextBox 20"/>
+              <p:cNvSpPr txBox="1"/>
+              <p:nvPr/>
+            </p:nvSpPr>
+            <p:spPr>
+              <a:xfrm>
+                <a:off x="7240594" y="2387181"/>
+                <a:ext cx="465620" cy="461628"/>
+              </a:xfrm>
+              <a:prstGeom prst="rect">
+                <a:avLst/>
+              </a:prstGeom>
+              <a:noFill/>
+            </p:spPr>
+            <p:txBody>
+              <a:bodyPr wrap="square" rtlCol="0">
+                <a:spAutoFit/>
+              </a:bodyPr>
+              <a:lstStyle/>
+              <a:p>
+                <a:r>
+                  <a:rPr lang="en-US" dirty="0"/>
+                  <a:t>E</a:t>
+                </a:r>
+              </a:p>
+            </p:txBody>
+          </p:sp>
+        </p:grpSp>
+        <p:cxnSp>
+          <p:nvCxnSpPr>
+            <p:cNvPr id="58" name="Curved Connector 57"/>
+            <p:cNvCxnSpPr/>
+            <p:nvPr/>
+          </p:nvCxnSpPr>
+          <p:spPr>
+            <a:xfrm>
+              <a:off x="1785520" y="4980768"/>
+              <a:ext cx="348898" cy="393929"/>
+            </a:xfrm>
+            <a:prstGeom prst="curvedConnector2">
+              <a:avLst/>
+            </a:prstGeom>
+            <a:ln>
+              <a:solidFill>
+                <a:srgbClr val="FF0000"/>
+              </a:solidFill>
+              <a:tailEnd type="arrow"/>
+            </a:ln>
+          </p:spPr>
+          <p:style>
+            <a:lnRef idx="2">
+              <a:schemeClr val="accent1"/>
+            </a:lnRef>
+            <a:fillRef idx="0">
+              <a:schemeClr val="accent1"/>
+            </a:fillRef>
+            <a:effectRef idx="1">
+              <a:schemeClr val="accent1"/>
+            </a:effectRef>
+            <a:fontRef idx="minor">
+              <a:schemeClr val="tx1"/>
+            </a:fontRef>
+          </p:style>
+        </p:cxnSp>
+        <p:cxnSp>
+          <p:nvCxnSpPr>
+            <p:cNvPr id="77" name="Curved Connector 76"/>
+            <p:cNvCxnSpPr/>
+            <p:nvPr/>
+          </p:nvCxnSpPr>
+          <p:spPr>
+            <a:xfrm rot="16200000" flipV="1">
+              <a:off x="643486" y="5573839"/>
+              <a:ext cx="438638" cy="427951"/>
+            </a:xfrm>
+            <a:prstGeom prst="curvedConnector3">
+              <a:avLst>
+                <a:gd name="adj1" fmla="val 2789"/>
+              </a:avLst>
+            </a:prstGeom>
+            <a:ln>
+              <a:solidFill>
+                <a:srgbClr val="FF0000"/>
+              </a:solidFill>
+              <a:tailEnd type="arrow"/>
+            </a:ln>
+          </p:spPr>
+          <p:style>
+            <a:lnRef idx="2">
+              <a:schemeClr val="accent1"/>
+            </a:lnRef>
+            <a:fillRef idx="0">
+              <a:schemeClr val="accent1"/>
+            </a:fillRef>
+            <a:effectRef idx="1">
+              <a:schemeClr val="accent1"/>
+            </a:effectRef>
+            <a:fontRef idx="minor">
+              <a:schemeClr val="tx1"/>
+            </a:fontRef>
+          </p:style>
+        </p:cxnSp>
+      </p:grpSp>
+      <p:cxnSp>
+        <p:nvCxnSpPr>
+          <p:cNvPr id="91" name="Straight Connector 90"/>
+          <p:cNvCxnSpPr/>
+          <p:nvPr/>
+        </p:nvCxnSpPr>
+        <p:spPr>
+          <a:xfrm>
+            <a:off x="3393155" y="2219824"/>
+            <a:ext cx="2380801" cy="0"/>
+          </a:xfrm>
+          <a:prstGeom prst="line">
+            <a:avLst/>
+          </a:prstGeom>
+          <a:ln w="76200" cmpd="sng">
+            <a:solidFill>
+              <a:schemeClr val="tx1"/>
+            </a:solidFill>
+          </a:ln>
+        </p:spPr>
+        <p:style>
+          <a:lnRef idx="2">
+            <a:schemeClr val="accent1"/>
+          </a:lnRef>
+          <a:fillRef idx="0">
+            <a:schemeClr val="accent1"/>
+          </a:fillRef>
+          <a:effectRef idx="1">
+            <a:schemeClr val="accent1"/>
+          </a:effectRef>
+          <a:fontRef idx="minor">
+            <a:schemeClr val="tx1"/>
+          </a:fontRef>
+        </p:style>
+      </p:cxnSp>
+    </p:spTree>
+    <p:extLst>
+      <p:ext uri="{BB962C8B-B14F-4D97-AF65-F5344CB8AC3E}">
+        <p14:creationId xmlns:p14="http://schemas.microsoft.com/office/powerpoint/2010/main" val="1775674711"/>
+      </p:ext>
+    </p:extLst>
+  </p:cSld>
+  <p:clrMapOvr>
+    <a:masterClrMapping/>
+  </p:clrMapOvr>
+</p:sld>
+</file>
+
+<file path=ppt/slides/slide11.xml><?xml version="1.0" encoding="utf-8"?>
+<p:sld xmlns:a="http://schemas.openxmlformats.org/drawingml/2006/main" xmlns:r="http://schemas.openxmlformats.org/officeDocument/2006/relationships" xmlns:p="http://schemas.openxmlformats.org/presentationml/2006/main">
+  <p:cSld>
+    <p:spTree>
+      <p:nvGrpSpPr>
+        <p:cNvPr id="1" name=""/>
+        <p:cNvGrpSpPr/>
+        <p:nvPr/>
+      </p:nvGrpSpPr>
+      <p:grpSpPr>
+        <a:xfrm>
+          <a:off x="0" y="0"/>
+          <a:ext cx="0" cy="0"/>
+          <a:chOff x="0" y="0"/>
+          <a:chExt cx="0" cy="0"/>
+        </a:xfrm>
+      </p:grpSpPr>
       <p:sp>
         <p:nvSpPr>
           <p:cNvPr id="2" name="Title 1"/>
@@ -7930,7 +9781,7 @@
           <a:p>
             <a:r>
               <a:rPr lang="en-US"/>
-              <a:t>Copyright © 2023 Prime Lessons (primelessons.org) CC-BY-NC-SA.  (Last edit: 5/11/2023)</a:t>
+              <a:t>Copyright © 2023 Prime Lessons (primelessons.org) CC-BY-NC-SA.  (Last edit: 5/12/2023)</a:t>
             </a:r>
           </a:p>
         </p:txBody>
@@ -7958,7 +9809,7 @@
           <a:p>
             <a:fld id="{BBD74847-7BE4-4E4D-8159-51DF7B93C616}" type="slidenum">
               <a:rPr lang="en-US" smtClean="0"/>
-              <a:t>10</a:t>
+              <a:t>11</a:t>
             </a:fld>
             <a:endParaRPr lang="en-US"/>
           </a:p>
@@ -9717,7 +11568,7 @@
 </p:sld>
 </file>
 
-<file path=ppt/slides/slide11.xml><?xml version="1.0" encoding="utf-8"?>
+<file path=ppt/slides/slide12.xml><?xml version="1.0" encoding="utf-8"?>
 <p:sld xmlns:a="http://schemas.openxmlformats.org/drawingml/2006/main" xmlns:r="http://schemas.openxmlformats.org/officeDocument/2006/relationships" xmlns:p="http://schemas.openxmlformats.org/presentationml/2006/main">
   <p:cSld>
     <p:spTree>
@@ -9839,7 +11690,7 @@
           <a:p>
             <a:r>
               <a:rPr lang="en-US"/>
-              <a:t>Copyright © 2023 Prime Lessons (primelessons.org) CC-BY-NC-SA.  (Last edit: 5/11/2023)</a:t>
+              <a:t>Copyright © 2023 Prime Lessons (primelessons.org) CC-BY-NC-SA.  (Last edit: 5/12/2023)</a:t>
             </a:r>
           </a:p>
         </p:txBody>
@@ -9867,7 +11718,7 @@
           <a:p>
             <a:fld id="{BBD74847-7BE4-4E4D-8159-51DF7B93C616}" type="slidenum">
               <a:rPr lang="en-US" smtClean="0"/>
-              <a:t>11</a:t>
+              <a:t>12</a:t>
             </a:fld>
             <a:endParaRPr lang="en-US"/>
           </a:p>
@@ -11093,7 +12944,7 @@
 </p:sld>
 </file>
 
-<file path=ppt/slides/slide12.xml><?xml version="1.0" encoding="utf-8"?>
+<file path=ppt/slides/slide13.xml><?xml version="1.0" encoding="utf-8"?>
 <p:sld xmlns:a="http://schemas.openxmlformats.org/drawingml/2006/main" xmlns:r="http://schemas.openxmlformats.org/officeDocument/2006/relationships" xmlns:p="http://schemas.openxmlformats.org/presentationml/2006/main">
   <p:cSld>
     <p:spTree>
@@ -11200,7 +13051,7 @@
           <a:p>
             <a:r>
               <a:rPr lang="en-US"/>
-              <a:t>Copyright © 2023 Prime Lessons (primelessons.org) CC-BY-NC-SA.  (Last edit: 5/11/2023)</a:t>
+              <a:t>Copyright © 2023 Prime Lessons (primelessons.org) CC-BY-NC-SA.  (Last edit: 5/12/2023)</a:t>
             </a:r>
           </a:p>
         </p:txBody>
@@ -11228,7 +13079,7 @@
           <a:p>
             <a:fld id="{BBD74847-7BE4-4E4D-8159-51DF7B93C616}" type="slidenum">
               <a:rPr lang="en-US" smtClean="0"/>
-              <a:t>12</a:t>
+              <a:t>13</a:t>
             </a:fld>
             <a:endParaRPr lang="en-US"/>
           </a:p>
@@ -11490,7 +13341,7 @@
 </p:sld>
 </file>
 
-<file path=ppt/slides/slide13.xml><?xml version="1.0" encoding="utf-8"?>
+<file path=ppt/slides/slide14.xml><?xml version="1.0" encoding="utf-8"?>
 <p:sld xmlns:a="http://schemas.openxmlformats.org/drawingml/2006/main" xmlns:r="http://schemas.openxmlformats.org/officeDocument/2006/relationships" xmlns:p="http://schemas.openxmlformats.org/presentationml/2006/main">
   <p:cSld>
     <p:spTree>
@@ -11581,7 +13432,7 @@
           <a:p>
             <a:r>
               <a:rPr lang="en-US"/>
-              <a:t>Copyright © 2023 Prime Lessons (primelessons.org) CC-BY-NC-SA.  (Last edit: 5/11/2023)</a:t>
+              <a:t>Copyright © 2023 Prime Lessons (primelessons.org) CC-BY-NC-SA.  (Last edit: 5/12/2023)</a:t>
             </a:r>
             <a:endParaRPr lang="en-US" dirty="0"/>
           </a:p>
@@ -11610,7 +13461,7 @@
           <a:p>
             <a:fld id="{BBD74847-7BE4-4E4D-8159-51DF7B93C616}" type="slidenum">
               <a:rPr lang="en-US" smtClean="0"/>
-              <a:t>13</a:t>
+              <a:t>14</a:t>
             </a:fld>
             <a:endParaRPr lang="en-US"/>
           </a:p>
@@ -11641,7 +13492,7 @@
           <a:effectLst/>
           <a:extLst>
             <a:ext uri="{91240B29-F687-4f45-9708-019B960494DF}">
-              <a14:hiddenLine xmlns:a14="http://schemas.microsoft.com/office/drawing/2010/main" xmlns="" w="9525">
+              <a14:hiddenLine xmlns="" xmlns:a14="http://schemas.microsoft.com/office/drawing/2010/main" w="9525">
                 <a:solidFill>
                   <a:schemeClr val="tx1"/>
                 </a:solidFill>
@@ -11651,7 +13502,7 @@
               </a14:hiddenLine>
             </a:ext>
             <a:ext uri="{AF507438-7753-43e0-B8FC-AC1667EBCBE1}">
-              <a14:hiddenEffects xmlns:a14="http://schemas.microsoft.com/office/drawing/2010/main" xmlns="">
+              <a14:hiddenEffects xmlns="" xmlns:a14="http://schemas.microsoft.com/office/drawing/2010/main">
                 <a:effectLst>
                   <a:outerShdw dist="35921" dir="2700000" algn="ctr" rotWithShape="0">
                     <a:schemeClr val="bg2"/>
@@ -11992,7 +13843,7 @@
           <a:noFill/>
           <a:extLst>
             <a:ext uri="{909E8E84-426E-40dd-AFC4-6F175D3DCCD1}">
-              <a14:hiddenFill xmlns:a14="http://schemas.microsoft.com/office/drawing/2010/main" xmlns="">
+              <a14:hiddenFill xmlns="" xmlns:a14="http://schemas.microsoft.com/office/drawing/2010/main">
                 <a:solidFill>
                   <a:srgbClr val="FFFFFF"/>
                 </a:solidFill>
@@ -12118,7 +13969,7 @@
           <a:p>
             <a:r>
               <a:rPr lang="en-US"/>
-              <a:t>Copyright © 2023 Prime Lessons (primelessons.org) CC-BY-NC-SA.  (Last edit: 5/11/2023)</a:t>
+              <a:t>Copyright © 2023 Prime Lessons (primelessons.org) CC-BY-NC-SA.  (Last edit: 5/12/2023)</a:t>
             </a:r>
           </a:p>
         </p:txBody>
@@ -12283,7 +14134,7 @@
           <a:p>
             <a:r>
               <a:rPr lang="en-US"/>
-              <a:t>Copyright © 2023 Prime Lessons (primelessons.org) CC-BY-NC-SA.  (Last edit: 5/11/2023)</a:t>
+              <a:t>Copyright © 2023 Prime Lessons (primelessons.org) CC-BY-NC-SA.  (Last edit: 5/12/2023)</a:t>
             </a:r>
             <a:endParaRPr lang="en-US" dirty="0"/>
           </a:p>
@@ -12553,7 +14404,7 @@
           <a:p>
             <a:r>
               <a:rPr lang="en-US"/>
-              <a:t>Copyright © 2023 Prime Lessons (primelessons.org) CC-BY-NC-SA.  (Last edit: 5/11/2023)</a:t>
+              <a:t>Copyright © 2023 Prime Lessons (primelessons.org) CC-BY-NC-SA.  (Last edit: 5/12/2023)</a:t>
             </a:r>
             <a:endParaRPr lang="en-US" dirty="0"/>
           </a:p>
@@ -13710,7 +15561,7 @@
           <a:p>
             <a:r>
               <a:rPr lang="en-US"/>
-              <a:t>Copyright © 2023 Prime Lessons (primelessons.org) CC-BY-NC-SA.  (Last edit: 5/11/2023)</a:t>
+              <a:t>Copyright © 2023 Prime Lessons (primelessons.org) CC-BY-NC-SA.  (Last edit: 5/12/2023)</a:t>
             </a:r>
             <a:endParaRPr lang="en-US" dirty="0"/>
           </a:p>
@@ -13976,7 +15827,7 @@
           <a:p>
             <a:r>
               <a:rPr lang="en-US"/>
-              <a:t>Copyright © 2023 Prime Lessons (primelessons.org) CC-BY-NC-SA.  (Last edit: 5/11/2023)</a:t>
+              <a:t>Copyright © 2023 Prime Lessons (primelessons.org) CC-BY-NC-SA.  (Last edit: 5/12/2023)</a:t>
             </a:r>
             <a:endParaRPr lang="en-US" dirty="0"/>
           </a:p>
@@ -14142,6 +15993,263 @@
           <p:cNvPr id="2" name="Title 1">
             <a:extLst>
               <a:ext uri="{FF2B5EF4-FFF2-40B4-BE49-F238E27FC236}">
+                <a16:creationId xmlns:a16="http://schemas.microsoft.com/office/drawing/2014/main" id="{FDD7EA66-03B5-44C5-0C09-01A6DF3AB7F3}"/>
+              </a:ext>
+            </a:extLst>
+          </p:cNvPr>
+          <p:cNvSpPr>
+            <a:spLocks noGrp="1"/>
+          </p:cNvSpPr>
+          <p:nvPr>
+            <p:ph type="title"/>
+          </p:nvPr>
+        </p:nvSpPr>
+        <p:spPr/>
+        <p:txBody>
+          <a:bodyPr/>
+          <a:lstStyle/>
+          <a:p>
+            <a:r>
+              <a:rPr lang="en-US" dirty="0"/>
+              <a:t>Bug In SPIKE 3</a:t>
+            </a:r>
+          </a:p>
+        </p:txBody>
+      </p:sp>
+      <p:sp>
+        <p:nvSpPr>
+          <p:cNvPr id="3" name="Content Placeholder 2">
+            <a:extLst>
+              <a:ext uri="{FF2B5EF4-FFF2-40B4-BE49-F238E27FC236}">
+                <a16:creationId xmlns:a16="http://schemas.microsoft.com/office/drawing/2014/main" id="{4B12F095-432A-BFFB-8C0E-5FACF7BC1E64}"/>
+              </a:ext>
+            </a:extLst>
+          </p:cNvPr>
+          <p:cNvSpPr>
+            <a:spLocks noGrp="1"/>
+          </p:cNvSpPr>
+          <p:nvPr>
+            <p:ph idx="1"/>
+          </p:nvPr>
+        </p:nvSpPr>
+        <p:spPr>
+          <a:xfrm>
+            <a:off x="155087" y="1140007"/>
+            <a:ext cx="5656989" cy="5079166"/>
+          </a:xfrm>
+        </p:spPr>
+        <p:txBody>
+          <a:bodyPr>
+            <a:normAutofit fontScale="85000" lnSpcReduction="10000"/>
+          </a:bodyPr>
+          <a:lstStyle/>
+          <a:p>
+            <a:r>
+              <a:rPr lang="en-US" dirty="0"/>
+              <a:t>The set yaw angle to 0 block takes a small amount of time to perform, but moves on to the next block before its is completed</a:t>
+            </a:r>
+          </a:p>
+          <a:p>
+            <a:r>
+              <a:rPr lang="en-US" dirty="0"/>
+              <a:t>The problem is that the code reaches the check for if the yaw angle &gt;90 before the yaw angle is reset, meaning that if the yaw angle read &gt;90 before the reset, the robot will not perform the turn</a:t>
+            </a:r>
+          </a:p>
+          <a:p>
+            <a:r>
+              <a:rPr lang="en-US" dirty="0"/>
+              <a:t>To fix this, you will have to add a wait block after the gyro reset block and before the turn. There are two ways you can do this</a:t>
+            </a:r>
+          </a:p>
+          <a:p>
+            <a:pPr lvl="1"/>
+            <a:r>
+              <a:rPr lang="en-US" dirty="0"/>
+              <a:t>Wait until the yaw angle reads 0</a:t>
+            </a:r>
+          </a:p>
+          <a:p>
+            <a:pPr lvl="1"/>
+            <a:r>
+              <a:rPr lang="en-US" dirty="0"/>
+              <a:t>Wait for a small amount of time (around 0.05 seconds seems to work)</a:t>
+            </a:r>
+          </a:p>
+          <a:p>
+            <a:r>
+              <a:rPr lang="en-US" dirty="0">
+                <a:solidFill>
+                  <a:srgbClr val="FF0000"/>
+                </a:solidFill>
+              </a:rPr>
+              <a:t>Note that some solutions provided in this lesson and other lessons involving turns/the gyro sensor may not contain this wait block</a:t>
+            </a:r>
+          </a:p>
+          <a:p>
+            <a:r>
+              <a:rPr lang="en-US" dirty="0">
+                <a:solidFill>
+                  <a:srgbClr val="FF0000"/>
+                </a:solidFill>
+              </a:rPr>
+              <a:t>The code will function as intended in a standalone program since the gyro is reset at the beginning of all programs automatically, but may need the addition of one of these methods for your use until an update fixing this bug is released</a:t>
+            </a:r>
+          </a:p>
+        </p:txBody>
+      </p:sp>
+      <p:sp>
+        <p:nvSpPr>
+          <p:cNvPr id="4" name="Footer Placeholder 3">
+            <a:extLst>
+              <a:ext uri="{FF2B5EF4-FFF2-40B4-BE49-F238E27FC236}">
+                <a16:creationId xmlns:a16="http://schemas.microsoft.com/office/drawing/2014/main" id="{69293738-00C4-1783-DE5A-A81F1CC5CE76}"/>
+              </a:ext>
+            </a:extLst>
+          </p:cNvPr>
+          <p:cNvSpPr>
+            <a:spLocks noGrp="1"/>
+          </p:cNvSpPr>
+          <p:nvPr>
+            <p:ph type="ftr" sz="quarter" idx="11"/>
+          </p:nvPr>
+        </p:nvSpPr>
+        <p:spPr/>
+        <p:txBody>
+          <a:bodyPr/>
+          <a:lstStyle/>
+          <a:p>
+            <a:r>
+              <a:rPr lang="en-US"/>
+              <a:t>Copyright © 2023 Prime Lessons (primelessons.org) CC-BY-NC-SA.  (Last edit: 5/12/2023)</a:t>
+            </a:r>
+            <a:endParaRPr lang="en-US" dirty="0"/>
+          </a:p>
+        </p:txBody>
+      </p:sp>
+      <p:sp>
+        <p:nvSpPr>
+          <p:cNvPr id="5" name="Slide Number Placeholder 4">
+            <a:extLst>
+              <a:ext uri="{FF2B5EF4-FFF2-40B4-BE49-F238E27FC236}">
+                <a16:creationId xmlns:a16="http://schemas.microsoft.com/office/drawing/2014/main" id="{9FAED9BE-A903-4408-191C-3880D5E70FD4}"/>
+              </a:ext>
+            </a:extLst>
+          </p:cNvPr>
+          <p:cNvSpPr>
+            <a:spLocks noGrp="1"/>
+          </p:cNvSpPr>
+          <p:nvPr>
+            <p:ph type="sldNum" sz="quarter" idx="12"/>
+          </p:nvPr>
+        </p:nvSpPr>
+        <p:spPr/>
+        <p:txBody>
+          <a:bodyPr/>
+          <a:lstStyle/>
+          <a:p>
+            <a:fld id="{BBD74847-7BE4-4E4D-8159-51DF7B93C616}" type="slidenum">
+              <a:rPr lang="en-US" smtClean="0"/>
+              <a:t>7</a:t>
+            </a:fld>
+            <a:endParaRPr lang="en-US"/>
+          </a:p>
+        </p:txBody>
+      </p:sp>
+      <p:pic>
+        <p:nvPicPr>
+          <p:cNvPr id="7" name="Picture 6">
+            <a:extLst>
+              <a:ext uri="{FF2B5EF4-FFF2-40B4-BE49-F238E27FC236}">
+                <a16:creationId xmlns:a16="http://schemas.microsoft.com/office/drawing/2014/main" id="{503F3E31-4E2F-0342-7D0B-3868F95DA3EB}"/>
+              </a:ext>
+            </a:extLst>
+          </p:cNvPr>
+          <p:cNvPicPr>
+            <a:picLocks noChangeAspect="1"/>
+          </p:cNvPicPr>
+          <p:nvPr/>
+        </p:nvPicPr>
+        <p:blipFill>
+          <a:blip r:embed="rId2"/>
+          <a:stretch>
+            <a:fillRect/>
+          </a:stretch>
+        </p:blipFill>
+        <p:spPr>
+          <a:xfrm>
+            <a:off x="6313737" y="4013223"/>
+            <a:ext cx="1961979" cy="1146830"/>
+          </a:xfrm>
+          <a:prstGeom prst="rect">
+            <a:avLst/>
+          </a:prstGeom>
+        </p:spPr>
+      </p:pic>
+      <p:pic>
+        <p:nvPicPr>
+          <p:cNvPr id="9" name="Picture 8">
+            <a:extLst>
+              <a:ext uri="{FF2B5EF4-FFF2-40B4-BE49-F238E27FC236}">
+                <a16:creationId xmlns:a16="http://schemas.microsoft.com/office/drawing/2014/main" id="{D5BDF7AC-FB1F-7BB7-6240-537F362FC833}"/>
+              </a:ext>
+            </a:extLst>
+          </p:cNvPr>
+          <p:cNvPicPr>
+            <a:picLocks noChangeAspect="1"/>
+          </p:cNvPicPr>
+          <p:nvPr/>
+        </p:nvPicPr>
+        <p:blipFill>
+          <a:blip r:embed="rId3"/>
+          <a:stretch>
+            <a:fillRect/>
+          </a:stretch>
+        </p:blipFill>
+        <p:spPr>
+          <a:xfrm>
+            <a:off x="5743895" y="2401256"/>
+            <a:ext cx="3262945" cy="1124819"/>
+          </a:xfrm>
+          <a:prstGeom prst="rect">
+            <a:avLst/>
+          </a:prstGeom>
+        </p:spPr>
+      </p:pic>
+    </p:spTree>
+    <p:extLst>
+      <p:ext uri="{BB962C8B-B14F-4D97-AF65-F5344CB8AC3E}">
+        <p14:creationId xmlns:p14="http://schemas.microsoft.com/office/powerpoint/2010/main" val="1764586712"/>
+      </p:ext>
+    </p:extLst>
+  </p:cSld>
+  <p:clrMapOvr>
+    <a:masterClrMapping/>
+  </p:clrMapOvr>
+</p:sld>
+</file>
+
+<file path=ppt/slides/slide8.xml><?xml version="1.0" encoding="utf-8"?>
+<p:sld xmlns:a="http://schemas.openxmlformats.org/drawingml/2006/main" xmlns:r="http://schemas.openxmlformats.org/officeDocument/2006/relationships" xmlns:p="http://schemas.openxmlformats.org/presentationml/2006/main">
+  <p:cSld>
+    <p:spTree>
+      <p:nvGrpSpPr>
+        <p:cNvPr id="1" name=""/>
+        <p:cNvGrpSpPr/>
+        <p:nvPr/>
+      </p:nvGrpSpPr>
+      <p:grpSpPr>
+        <a:xfrm>
+          <a:off x="0" y="0"/>
+          <a:ext cx="0" cy="0"/>
+          <a:chOff x="0" y="0"/>
+          <a:chExt cx="0" cy="0"/>
+        </a:xfrm>
+      </p:grpSpPr>
+      <p:sp>
+        <p:nvSpPr>
+          <p:cNvPr id="2" name="Title 1">
+            <a:extLst>
+              <a:ext uri="{FF2B5EF4-FFF2-40B4-BE49-F238E27FC236}">
                 <a16:creationId xmlns:a16="http://schemas.microsoft.com/office/drawing/2014/main" id="{EB51AEF8-6917-4792-9527-2EC4D49DDC10}"/>
               </a:ext>
             </a:extLst>
@@ -14193,7 +16301,7 @@
           <a:p>
             <a:r>
               <a:rPr lang="en-US"/>
-              <a:t>Copyright © 2023 Prime Lessons (primelessons.org) CC-BY-NC-SA.  (Last edit: 5/11/2023)</a:t>
+              <a:t>Copyright © 2023 Prime Lessons (primelessons.org) CC-BY-NC-SA.  (Last edit: 5/12/2023)</a:t>
             </a:r>
             <a:endParaRPr lang="en-US" dirty="0"/>
           </a:p>
@@ -14228,7 +16336,7 @@
             <a:fld id="{BBD74847-7BE4-4E4D-8159-51DF7B93C616}" type="slidenum">
               <a:rPr lang="en-US" smtClean="0"/>
               <a:pPr/>
-              <a:t>7</a:t>
+              <a:t>8</a:t>
             </a:fld>
             <a:endParaRPr lang="en-US"/>
           </a:p>
@@ -14277,7 +16385,7 @@
 </p:sld>
 </file>
 
-<file path=ppt/slides/slide8.xml><?xml version="1.0" encoding="utf-8"?>
+<file path=ppt/slides/slide9.xml><?xml version="1.0" encoding="utf-8"?>
 <p:sld xmlns:a="http://schemas.openxmlformats.org/drawingml/2006/main" xmlns:r="http://schemas.openxmlformats.org/officeDocument/2006/relationships" xmlns:p="http://schemas.openxmlformats.org/presentationml/2006/main">
   <p:cSld>
     <p:spTree>
@@ -14475,7 +16583,7 @@
           <a:p>
             <a:r>
               <a:rPr lang="en-US"/>
-              <a:t>Copyright © 2023 Prime Lessons (primelessons.org) CC-BY-NC-SA.  (Last edit: 5/11/2023)</a:t>
+              <a:t>Copyright © 2023 Prime Lessons (primelessons.org) CC-BY-NC-SA.  (Last edit: 5/12/2023)</a:t>
             </a:r>
             <a:endParaRPr lang="en-US" dirty="0"/>
           </a:p>
@@ -14504,7 +16612,7 @@
           <a:p>
             <a:fld id="{BBD74847-7BE4-4E4D-8159-51DF7B93C616}" type="slidenum">
               <a:rPr lang="en-US" smtClean="0"/>
-              <a:t>8</a:t>
+              <a:t>9</a:t>
             </a:fld>
             <a:endParaRPr lang="en-US"/>
           </a:p>
@@ -14802,1856 +16910,6 @@
     <p:extLst>
       <p:ext uri="{BB962C8B-B14F-4D97-AF65-F5344CB8AC3E}">
         <p14:creationId xmlns:p14="http://schemas.microsoft.com/office/powerpoint/2010/main" val="606789576"/>
-      </p:ext>
-    </p:extLst>
-  </p:cSld>
-  <p:clrMapOvr>
-    <a:masterClrMapping/>
-  </p:clrMapOvr>
-</p:sld>
-</file>
-
-<file path=ppt/slides/slide9.xml><?xml version="1.0" encoding="utf-8"?>
-<p:sld xmlns:a="http://schemas.openxmlformats.org/drawingml/2006/main" xmlns:r="http://schemas.openxmlformats.org/officeDocument/2006/relationships" xmlns:p="http://schemas.openxmlformats.org/presentationml/2006/main">
-  <p:cSld>
-    <p:spTree>
-      <p:nvGrpSpPr>
-        <p:cNvPr id="1" name=""/>
-        <p:cNvGrpSpPr/>
-        <p:nvPr/>
-      </p:nvGrpSpPr>
-      <p:grpSpPr>
-        <a:xfrm>
-          <a:off x="0" y="0"/>
-          <a:ext cx="0" cy="0"/>
-          <a:chOff x="0" y="0"/>
-          <a:chExt cx="0" cy="0"/>
-        </a:xfrm>
-      </p:grpSpPr>
-      <p:cxnSp>
-        <p:nvCxnSpPr>
-          <p:cNvPr id="93" name="Straight Connector 92"/>
-          <p:cNvCxnSpPr/>
-          <p:nvPr/>
-        </p:nvCxnSpPr>
-        <p:spPr>
-          <a:xfrm>
-            <a:off x="3584593" y="5364706"/>
-            <a:ext cx="2257735" cy="12731"/>
-          </a:xfrm>
-          <a:prstGeom prst="line">
-            <a:avLst/>
-          </a:prstGeom>
-          <a:ln w="76200" cmpd="sng">
-            <a:solidFill>
-              <a:schemeClr val="tx1"/>
-            </a:solidFill>
-          </a:ln>
-        </p:spPr>
-        <p:style>
-          <a:lnRef idx="2">
-            <a:schemeClr val="accent1"/>
-          </a:lnRef>
-          <a:fillRef idx="0">
-            <a:schemeClr val="accent1"/>
-          </a:fillRef>
-          <a:effectRef idx="1">
-            <a:schemeClr val="accent1"/>
-          </a:effectRef>
-          <a:fontRef idx="minor">
-            <a:schemeClr val="tx1"/>
-          </a:fontRef>
-        </p:style>
-      </p:cxnSp>
-      <p:cxnSp>
-        <p:nvCxnSpPr>
-          <p:cNvPr id="49" name="Straight Connector 48"/>
-          <p:cNvCxnSpPr/>
-          <p:nvPr/>
-        </p:nvCxnSpPr>
-        <p:spPr>
-          <a:xfrm>
-            <a:off x="399153" y="5350552"/>
-            <a:ext cx="2257735" cy="12731"/>
-          </a:xfrm>
-          <a:prstGeom prst="line">
-            <a:avLst/>
-          </a:prstGeom>
-          <a:ln w="76200" cmpd="sng">
-            <a:solidFill>
-              <a:schemeClr val="tx1"/>
-            </a:solidFill>
-          </a:ln>
-        </p:spPr>
-        <p:style>
-          <a:lnRef idx="2">
-            <a:schemeClr val="accent1"/>
-          </a:lnRef>
-          <a:fillRef idx="0">
-            <a:schemeClr val="accent1"/>
-          </a:fillRef>
-          <a:effectRef idx="1">
-            <a:schemeClr val="accent1"/>
-          </a:effectRef>
-          <a:fontRef idx="minor">
-            <a:schemeClr val="tx1"/>
-          </a:fontRef>
-        </p:style>
-      </p:cxnSp>
-      <p:cxnSp>
-        <p:nvCxnSpPr>
-          <p:cNvPr id="48" name="Straight Connector 47"/>
-          <p:cNvCxnSpPr/>
-          <p:nvPr/>
-        </p:nvCxnSpPr>
-        <p:spPr>
-          <a:xfrm>
-            <a:off x="276087" y="2251740"/>
-            <a:ext cx="2380801" cy="0"/>
-          </a:xfrm>
-          <a:prstGeom prst="line">
-            <a:avLst/>
-          </a:prstGeom>
-          <a:ln w="76200" cmpd="sng">
-            <a:solidFill>
-              <a:schemeClr val="tx1"/>
-            </a:solidFill>
-          </a:ln>
-        </p:spPr>
-        <p:style>
-          <a:lnRef idx="2">
-            <a:schemeClr val="accent1"/>
-          </a:lnRef>
-          <a:fillRef idx="0">
-            <a:schemeClr val="accent1"/>
-          </a:fillRef>
-          <a:effectRef idx="1">
-            <a:schemeClr val="accent1"/>
-          </a:effectRef>
-          <a:fontRef idx="minor">
-            <a:schemeClr val="tx1"/>
-          </a:fontRef>
-        </p:style>
-      </p:cxnSp>
-      <p:sp>
-        <p:nvSpPr>
-          <p:cNvPr id="2" name="Title 1"/>
-          <p:cNvSpPr>
-            <a:spLocks noGrp="1"/>
-          </p:cNvSpPr>
-          <p:nvPr>
-            <p:ph type="title"/>
-          </p:nvPr>
-        </p:nvSpPr>
-        <p:spPr/>
-        <p:txBody>
-          <a:bodyPr/>
-          <a:lstStyle/>
-          <a:p>
-            <a:r>
-              <a:rPr lang="en-US" dirty="0"/>
-              <a:t>There are two types of turns you can do</a:t>
-            </a:r>
-          </a:p>
-        </p:txBody>
-      </p:sp>
-      <p:sp>
-        <p:nvSpPr>
-          <p:cNvPr id="3" name="Footer Placeholder 2"/>
-          <p:cNvSpPr>
-            <a:spLocks noGrp="1"/>
-          </p:cNvSpPr>
-          <p:nvPr>
-            <p:ph type="ftr" sz="quarter" idx="11"/>
-          </p:nvPr>
-        </p:nvSpPr>
-        <p:spPr/>
-        <p:txBody>
-          <a:bodyPr/>
-          <a:lstStyle/>
-          <a:p>
-            <a:r>
-              <a:rPr lang="en-US"/>
-              <a:t>Copyright © 2023 Prime Lessons (primelessons.org) CC-BY-NC-SA.  (Last edit: 5/11/2023)</a:t>
-            </a:r>
-          </a:p>
-        </p:txBody>
-      </p:sp>
-      <p:sp>
-        <p:nvSpPr>
-          <p:cNvPr id="4" name="Slide Number Placeholder 3">
-            <a:extLst>
-              <a:ext uri="{FF2B5EF4-FFF2-40B4-BE49-F238E27FC236}">
-                <a16:creationId xmlns:a16="http://schemas.microsoft.com/office/drawing/2014/main" id="{A820D3A0-BB1C-4BE8-BDFE-B24894F6E99A}"/>
-              </a:ext>
-            </a:extLst>
-          </p:cNvPr>
-          <p:cNvSpPr>
-            <a:spLocks noGrp="1"/>
-          </p:cNvSpPr>
-          <p:nvPr>
-            <p:ph type="sldNum" sz="quarter" idx="12"/>
-          </p:nvPr>
-        </p:nvSpPr>
-        <p:spPr/>
-        <p:txBody>
-          <a:bodyPr/>
-          <a:lstStyle/>
-          <a:p>
-            <a:fld id="{BBD74847-7BE4-4E4D-8159-51DF7B93C616}" type="slidenum">
-              <a:rPr lang="en-US" smtClean="0"/>
-              <a:t>9</a:t>
-            </a:fld>
-            <a:endParaRPr lang="en-US"/>
-          </a:p>
-        </p:txBody>
-      </p:sp>
-      <p:sp>
-        <p:nvSpPr>
-          <p:cNvPr id="6" name="TextBox 5"/>
-          <p:cNvSpPr txBox="1"/>
-          <p:nvPr/>
-        </p:nvSpPr>
-        <p:spPr>
-          <a:xfrm>
-            <a:off x="276087" y="1278956"/>
-            <a:ext cx="5497869" cy="369332"/>
-          </a:xfrm>
-          <a:prstGeom prst="rect">
-            <a:avLst/>
-          </a:prstGeom>
-          <a:solidFill>
-            <a:schemeClr val="bg1">
-              <a:lumMod val="95000"/>
-            </a:schemeClr>
-          </a:solidFill>
-          <a:ln>
-            <a:solidFill>
-              <a:schemeClr val="tx1"/>
-            </a:solidFill>
-          </a:ln>
-        </p:spPr>
-        <p:style>
-          <a:lnRef idx="2">
-            <a:schemeClr val="accent3">
-              <a:shade val="50000"/>
-            </a:schemeClr>
-          </a:lnRef>
-          <a:fillRef idx="1">
-            <a:schemeClr val="accent3"/>
-          </a:fillRef>
-          <a:effectRef idx="0">
-            <a:schemeClr val="accent3"/>
-          </a:effectRef>
-          <a:fontRef idx="minor">
-            <a:schemeClr val="lt1"/>
-          </a:fontRef>
-        </p:style>
-        <p:txBody>
-          <a:bodyPr wrap="square" rtlCol="0">
-            <a:spAutoFit/>
-          </a:bodyPr>
-          <a:lstStyle/>
-          <a:p>
-            <a:pPr algn="ctr"/>
-            <a:r>
-              <a:rPr lang="en-US" b="1" dirty="0">
-                <a:solidFill>
-                  <a:schemeClr val="tx1"/>
-                </a:solidFill>
-              </a:rPr>
-              <a:t>180 Degree Pivot Turn</a:t>
-            </a:r>
-          </a:p>
-        </p:txBody>
-      </p:sp>
-      <p:sp>
-        <p:nvSpPr>
-          <p:cNvPr id="7" name="TextBox 6"/>
-          <p:cNvSpPr txBox="1"/>
-          <p:nvPr/>
-        </p:nvSpPr>
-        <p:spPr>
-          <a:xfrm>
-            <a:off x="276087" y="3868344"/>
-            <a:ext cx="5497869" cy="369332"/>
-          </a:xfrm>
-          <a:prstGeom prst="rect">
-            <a:avLst/>
-          </a:prstGeom>
-          <a:solidFill>
-            <a:schemeClr val="bg1">
-              <a:lumMod val="95000"/>
-            </a:schemeClr>
-          </a:solidFill>
-          <a:ln>
-            <a:solidFill>
-              <a:schemeClr val="tx1"/>
-            </a:solidFill>
-          </a:ln>
-        </p:spPr>
-        <p:style>
-          <a:lnRef idx="2">
-            <a:schemeClr val="accent2">
-              <a:shade val="50000"/>
-            </a:schemeClr>
-          </a:lnRef>
-          <a:fillRef idx="1">
-            <a:schemeClr val="accent2"/>
-          </a:fillRef>
-          <a:effectRef idx="0">
-            <a:schemeClr val="accent2"/>
-          </a:effectRef>
-          <a:fontRef idx="minor">
-            <a:schemeClr val="lt1"/>
-          </a:fontRef>
-        </p:style>
-        <p:txBody>
-          <a:bodyPr wrap="square" rtlCol="0">
-            <a:spAutoFit/>
-          </a:bodyPr>
-          <a:lstStyle/>
-          <a:p>
-            <a:pPr algn="ctr"/>
-            <a:r>
-              <a:rPr lang="en-US" b="1" dirty="0">
-                <a:solidFill>
-                  <a:schemeClr val="tx1"/>
-                </a:solidFill>
-              </a:rPr>
-              <a:t>180 Degree Spin Turn</a:t>
-            </a:r>
-          </a:p>
-        </p:txBody>
-      </p:sp>
-      <p:sp>
-        <p:nvSpPr>
-          <p:cNvPr id="8" name="TextBox 7"/>
-          <p:cNvSpPr txBox="1"/>
-          <p:nvPr/>
-        </p:nvSpPr>
-        <p:spPr>
-          <a:xfrm>
-            <a:off x="6115189" y="1255771"/>
-            <a:ext cx="2805025" cy="4524316"/>
-          </a:xfrm>
-          <a:prstGeom prst="rect">
-            <a:avLst/>
-          </a:prstGeom>
-          <a:noFill/>
-        </p:spPr>
-        <p:txBody>
-          <a:bodyPr wrap="square" rtlCol="0">
-            <a:spAutoFit/>
-          </a:bodyPr>
-          <a:lstStyle/>
-          <a:p>
-            <a:r>
-              <a:rPr lang="en-US" dirty="0"/>
-              <a:t>Notice where the robot ends in both pictures after a 180 degree turn. </a:t>
-            </a:r>
-          </a:p>
-          <a:p>
-            <a:endParaRPr lang="en-US" dirty="0"/>
-          </a:p>
-          <a:p>
-            <a:r>
-              <a:rPr lang="en-US" dirty="0"/>
-              <a:t>In the Spin Turn, the robot moves a lot less and that makes Spin Turns are great for tight positions. Spin turns tend to be a bit faster but also a little less accurate.</a:t>
-            </a:r>
-          </a:p>
-          <a:p>
-            <a:endParaRPr lang="en-US" dirty="0"/>
-          </a:p>
-          <a:p>
-            <a:r>
-              <a:rPr lang="en-US" dirty="0"/>
-              <a:t>So when you need to make turns, you should decide which turn is best for you!</a:t>
-            </a:r>
-          </a:p>
-        </p:txBody>
-      </p:sp>
-      <p:grpSp>
-        <p:nvGrpSpPr>
-          <p:cNvPr id="10" name="Group 9"/>
-          <p:cNvGrpSpPr/>
-          <p:nvPr/>
-        </p:nvGrpSpPr>
-        <p:grpSpPr>
-          <a:xfrm rot="10800000">
-            <a:off x="4133980" y="4741368"/>
-            <a:ext cx="1164830" cy="1200156"/>
-            <a:chOff x="6507215" y="1347674"/>
-            <a:chExt cx="1164830" cy="1500074"/>
-          </a:xfrm>
-        </p:grpSpPr>
-        <p:grpSp>
-          <p:nvGrpSpPr>
-            <p:cNvPr id="11" name="Group 10"/>
-            <p:cNvGrpSpPr/>
-            <p:nvPr/>
-          </p:nvGrpSpPr>
-          <p:grpSpPr>
-            <a:xfrm rot="5400000">
-              <a:off x="6518632" y="1512901"/>
-              <a:ext cx="1141996" cy="1164830"/>
-              <a:chOff x="6310708" y="2223670"/>
-              <a:chExt cx="809489" cy="898563"/>
-            </a:xfrm>
-          </p:grpSpPr>
-          <p:sp>
-            <p:nvSpPr>
-              <p:cNvPr id="14" name="Rounded Rectangle 13"/>
-              <p:cNvSpPr/>
-              <p:nvPr/>
-            </p:nvSpPr>
-            <p:spPr>
-              <a:xfrm>
-                <a:off x="6451830" y="2223670"/>
-                <a:ext cx="519438" cy="898563"/>
-              </a:xfrm>
-              <a:prstGeom prst="roundRect">
-                <a:avLst/>
-              </a:prstGeom>
-              <a:solidFill>
-                <a:srgbClr val="FFD500"/>
-              </a:solidFill>
-              <a:ln>
-                <a:solidFill>
-                  <a:srgbClr val="000000"/>
-                </a:solidFill>
-              </a:ln>
-              <a:effectLst/>
-            </p:spPr>
-            <p:style>
-              <a:lnRef idx="1">
-                <a:schemeClr val="accent1"/>
-              </a:lnRef>
-              <a:fillRef idx="3">
-                <a:schemeClr val="accent1"/>
-              </a:fillRef>
-              <a:effectRef idx="2">
-                <a:schemeClr val="accent1"/>
-              </a:effectRef>
-              <a:fontRef idx="minor">
-                <a:schemeClr val="lt1"/>
-              </a:fontRef>
-            </p:style>
-            <p:txBody>
-              <a:bodyPr rtlCol="0" anchor="ctr"/>
-              <a:lstStyle/>
-              <a:p>
-                <a:pPr algn="ctr"/>
-                <a:endParaRPr lang="en-US"/>
-              </a:p>
-            </p:txBody>
-          </p:sp>
-          <p:sp>
-            <p:nvSpPr>
-              <p:cNvPr id="15" name="Rounded Rectangle 14"/>
-              <p:cNvSpPr/>
-              <p:nvPr/>
-            </p:nvSpPr>
-            <p:spPr>
-              <a:xfrm>
-                <a:off x="6979076" y="2525434"/>
-                <a:ext cx="141121" cy="295036"/>
-              </a:xfrm>
-              <a:prstGeom prst="roundRect">
-                <a:avLst/>
-              </a:prstGeom>
-              <a:solidFill>
-                <a:srgbClr val="13B09B"/>
-              </a:solidFill>
-              <a:ln>
-                <a:solidFill>
-                  <a:srgbClr val="000000"/>
-                </a:solidFill>
-              </a:ln>
-              <a:effectLst/>
-            </p:spPr>
-            <p:style>
-              <a:lnRef idx="1">
-                <a:schemeClr val="accent6"/>
-              </a:lnRef>
-              <a:fillRef idx="3">
-                <a:schemeClr val="accent6"/>
-              </a:fillRef>
-              <a:effectRef idx="2">
-                <a:schemeClr val="accent6"/>
-              </a:effectRef>
-              <a:fontRef idx="minor">
-                <a:schemeClr val="lt1"/>
-              </a:fontRef>
-            </p:style>
-            <p:txBody>
-              <a:bodyPr rtlCol="0" anchor="ctr"/>
-              <a:lstStyle/>
-              <a:p>
-                <a:pPr algn="ctr"/>
-                <a:endParaRPr lang="en-US">
-                  <a:effectLst/>
-                </a:endParaRPr>
-              </a:p>
-            </p:txBody>
-          </p:sp>
-          <p:sp>
-            <p:nvSpPr>
-              <p:cNvPr id="16" name="Rounded Rectangle 15"/>
-              <p:cNvSpPr/>
-              <p:nvPr/>
-            </p:nvSpPr>
-            <p:spPr>
-              <a:xfrm>
-                <a:off x="6310708" y="2525434"/>
-                <a:ext cx="141121" cy="295036"/>
-              </a:xfrm>
-              <a:prstGeom prst="roundRect">
-                <a:avLst/>
-              </a:prstGeom>
-              <a:solidFill>
-                <a:srgbClr val="13B09B"/>
-              </a:solidFill>
-              <a:ln>
-                <a:solidFill>
-                  <a:srgbClr val="000000"/>
-                </a:solidFill>
-              </a:ln>
-              <a:effectLst/>
-            </p:spPr>
-            <p:style>
-              <a:lnRef idx="1">
-                <a:schemeClr val="accent6"/>
-              </a:lnRef>
-              <a:fillRef idx="3">
-                <a:schemeClr val="accent6"/>
-              </a:fillRef>
-              <a:effectRef idx="2">
-                <a:schemeClr val="accent6"/>
-              </a:effectRef>
-              <a:fontRef idx="minor">
-                <a:schemeClr val="lt1"/>
-              </a:fontRef>
-            </p:style>
-            <p:txBody>
-              <a:bodyPr rtlCol="0" anchor="ctr"/>
-              <a:lstStyle/>
-              <a:p>
-                <a:pPr algn="ctr"/>
-                <a:endParaRPr lang="en-US">
-                  <a:effectLst/>
-                </a:endParaRPr>
-              </a:p>
-            </p:txBody>
-          </p:sp>
-          <p:sp>
-            <p:nvSpPr>
-              <p:cNvPr id="17" name="Oval 16"/>
-              <p:cNvSpPr>
-                <a:spLocks noChangeAspect="1"/>
-              </p:cNvSpPr>
-              <p:nvPr/>
-            </p:nvSpPr>
-            <p:spPr>
-              <a:xfrm>
-                <a:off x="6621904" y="2247641"/>
-                <a:ext cx="179290" cy="166284"/>
-              </a:xfrm>
-              <a:prstGeom prst="ellipse">
-                <a:avLst/>
-              </a:prstGeom>
-              <a:solidFill>
-                <a:srgbClr val="FF0000"/>
-              </a:solidFill>
-              <a:effectLst/>
-            </p:spPr>
-            <p:style>
-              <a:lnRef idx="1">
-                <a:schemeClr val="accent1"/>
-              </a:lnRef>
-              <a:fillRef idx="3">
-                <a:schemeClr val="accent1"/>
-              </a:fillRef>
-              <a:effectRef idx="2">
-                <a:schemeClr val="accent1"/>
-              </a:effectRef>
-              <a:fontRef idx="minor">
-                <a:schemeClr val="lt1"/>
-              </a:fontRef>
-            </p:style>
-            <p:txBody>
-              <a:bodyPr rtlCol="0" anchor="ctr"/>
-              <a:lstStyle/>
-              <a:p>
-                <a:pPr algn="ctr"/>
-                <a:endParaRPr lang="en-US"/>
-              </a:p>
-            </p:txBody>
-          </p:sp>
-        </p:grpSp>
-        <p:sp>
-          <p:nvSpPr>
-            <p:cNvPr id="12" name="TextBox 11"/>
-            <p:cNvSpPr txBox="1"/>
-            <p:nvPr/>
-          </p:nvSpPr>
-          <p:spPr>
-            <a:xfrm rot="10800000">
-              <a:off x="7092564" y="1347674"/>
-              <a:ext cx="465620" cy="461628"/>
-            </a:xfrm>
-            <a:prstGeom prst="rect">
-              <a:avLst/>
-            </a:prstGeom>
-            <a:noFill/>
-          </p:spPr>
-          <p:txBody>
-            <a:bodyPr wrap="square" rtlCol="0">
-              <a:spAutoFit/>
-            </a:bodyPr>
-            <a:lstStyle/>
-            <a:p>
-              <a:r>
-                <a:rPr lang="en-US" dirty="0"/>
-                <a:t>A</a:t>
-              </a:r>
-            </a:p>
-          </p:txBody>
-        </p:sp>
-        <p:sp>
-          <p:nvSpPr>
-            <p:cNvPr id="13" name="TextBox 12"/>
-            <p:cNvSpPr txBox="1"/>
-            <p:nvPr/>
-          </p:nvSpPr>
-          <p:spPr>
-            <a:xfrm rot="10800000">
-              <a:off x="7102544" y="2386120"/>
-              <a:ext cx="465620" cy="461628"/>
-            </a:xfrm>
-            <a:prstGeom prst="rect">
-              <a:avLst/>
-            </a:prstGeom>
-            <a:noFill/>
-          </p:spPr>
-          <p:txBody>
-            <a:bodyPr wrap="square" rtlCol="0">
-              <a:spAutoFit/>
-            </a:bodyPr>
-            <a:lstStyle/>
-            <a:p>
-              <a:r>
-                <a:rPr lang="en-US" dirty="0"/>
-                <a:t>E</a:t>
-              </a:r>
-            </a:p>
-          </p:txBody>
-        </p:sp>
-      </p:grpSp>
-      <p:sp>
-        <p:nvSpPr>
-          <p:cNvPr id="26" name="TextBox 25"/>
-          <p:cNvSpPr txBox="1"/>
-          <p:nvPr/>
-        </p:nvSpPr>
-        <p:spPr>
-          <a:xfrm>
-            <a:off x="457200" y="4373571"/>
-            <a:ext cx="1708440" cy="370199"/>
-          </a:xfrm>
-          <a:prstGeom prst="rect">
-            <a:avLst/>
-          </a:prstGeom>
-          <a:noFill/>
-        </p:spPr>
-        <p:txBody>
-          <a:bodyPr wrap="square" rtlCol="0">
-            <a:spAutoFit/>
-          </a:bodyPr>
-          <a:lstStyle/>
-          <a:p>
-            <a:pPr algn="ctr"/>
-            <a:r>
-              <a:rPr lang="en-US" dirty="0"/>
-              <a:t>Start Position</a:t>
-            </a:r>
-          </a:p>
-        </p:txBody>
-      </p:sp>
-      <p:sp>
-        <p:nvSpPr>
-          <p:cNvPr id="27" name="TextBox 26"/>
-          <p:cNvSpPr txBox="1"/>
-          <p:nvPr/>
-        </p:nvSpPr>
-        <p:spPr>
-          <a:xfrm>
-            <a:off x="3894082" y="4375841"/>
-            <a:ext cx="1708440" cy="370199"/>
-          </a:xfrm>
-          <a:prstGeom prst="rect">
-            <a:avLst/>
-          </a:prstGeom>
-          <a:noFill/>
-        </p:spPr>
-        <p:txBody>
-          <a:bodyPr wrap="square" rtlCol="0">
-            <a:spAutoFit/>
-          </a:bodyPr>
-          <a:lstStyle/>
-          <a:p>
-            <a:pPr algn="ctr"/>
-            <a:r>
-              <a:rPr lang="en-US" dirty="0"/>
-              <a:t>End Position</a:t>
-            </a:r>
-          </a:p>
-        </p:txBody>
-      </p:sp>
-      <p:sp>
-        <p:nvSpPr>
-          <p:cNvPr id="28" name="TextBox 27"/>
-          <p:cNvSpPr txBox="1"/>
-          <p:nvPr/>
-        </p:nvSpPr>
-        <p:spPr>
-          <a:xfrm>
-            <a:off x="2441774" y="4895252"/>
-            <a:ext cx="1339047" cy="923330"/>
-          </a:xfrm>
-          <a:prstGeom prst="rect">
-            <a:avLst/>
-          </a:prstGeom>
-          <a:noFill/>
-        </p:spPr>
-        <p:txBody>
-          <a:bodyPr wrap="square" rtlCol="0">
-            <a:spAutoFit/>
-          </a:bodyPr>
-          <a:lstStyle/>
-          <a:p>
-            <a:pPr algn="ctr"/>
-            <a:r>
-              <a:rPr lang="en-US" dirty="0"/>
-              <a:t>Motors </a:t>
-            </a:r>
-          </a:p>
-          <a:p>
-            <a:pPr algn="ctr"/>
-            <a:r>
-              <a:rPr lang="en-US" dirty="0"/>
-              <a:t>A and E Move</a:t>
-            </a:r>
-          </a:p>
-        </p:txBody>
-      </p:sp>
-      <p:grpSp>
-        <p:nvGrpSpPr>
-          <p:cNvPr id="38" name="Group 37"/>
-          <p:cNvGrpSpPr/>
-          <p:nvPr/>
-        </p:nvGrpSpPr>
-        <p:grpSpPr>
-          <a:xfrm rot="10800000">
-            <a:off x="4051860" y="2570197"/>
-            <a:ext cx="1164830" cy="1200215"/>
-            <a:chOff x="6507215" y="1338644"/>
-            <a:chExt cx="1164830" cy="1529495"/>
-          </a:xfrm>
-        </p:grpSpPr>
-        <p:grpSp>
-          <p:nvGrpSpPr>
-            <p:cNvPr id="39" name="Group 38"/>
-            <p:cNvGrpSpPr/>
-            <p:nvPr/>
-          </p:nvGrpSpPr>
-          <p:grpSpPr>
-            <a:xfrm rot="5400000">
-              <a:off x="6518632" y="1512901"/>
-              <a:ext cx="1141996" cy="1164830"/>
-              <a:chOff x="6310708" y="2223670"/>
-              <a:chExt cx="809489" cy="898563"/>
-            </a:xfrm>
-          </p:grpSpPr>
-          <p:sp>
-            <p:nvSpPr>
-              <p:cNvPr id="42" name="Rounded Rectangle 41"/>
-              <p:cNvSpPr/>
-              <p:nvPr/>
-            </p:nvSpPr>
-            <p:spPr>
-              <a:xfrm>
-                <a:off x="6451830" y="2223670"/>
-                <a:ext cx="519438" cy="898563"/>
-              </a:xfrm>
-              <a:prstGeom prst="roundRect">
-                <a:avLst/>
-              </a:prstGeom>
-              <a:solidFill>
-                <a:srgbClr val="FFD500"/>
-              </a:solidFill>
-              <a:ln>
-                <a:solidFill>
-                  <a:srgbClr val="000000"/>
-                </a:solidFill>
-              </a:ln>
-              <a:effectLst/>
-            </p:spPr>
-            <p:style>
-              <a:lnRef idx="1">
-                <a:schemeClr val="accent1"/>
-              </a:lnRef>
-              <a:fillRef idx="3">
-                <a:schemeClr val="accent1"/>
-              </a:fillRef>
-              <a:effectRef idx="2">
-                <a:schemeClr val="accent1"/>
-              </a:effectRef>
-              <a:fontRef idx="minor">
-                <a:schemeClr val="lt1"/>
-              </a:fontRef>
-            </p:style>
-            <p:txBody>
-              <a:bodyPr rtlCol="0" anchor="ctr"/>
-              <a:lstStyle/>
-              <a:p>
-                <a:pPr algn="ctr"/>
-                <a:endParaRPr lang="en-US"/>
-              </a:p>
-            </p:txBody>
-          </p:sp>
-          <p:sp>
-            <p:nvSpPr>
-              <p:cNvPr id="43" name="Rounded Rectangle 42"/>
-              <p:cNvSpPr/>
-              <p:nvPr/>
-            </p:nvSpPr>
-            <p:spPr>
-              <a:xfrm>
-                <a:off x="6979076" y="2525434"/>
-                <a:ext cx="141121" cy="295036"/>
-              </a:xfrm>
-              <a:prstGeom prst="roundRect">
-                <a:avLst/>
-              </a:prstGeom>
-              <a:solidFill>
-                <a:srgbClr val="13B09B"/>
-              </a:solidFill>
-              <a:ln>
-                <a:solidFill>
-                  <a:srgbClr val="000000"/>
-                </a:solidFill>
-              </a:ln>
-              <a:effectLst/>
-            </p:spPr>
-            <p:style>
-              <a:lnRef idx="1">
-                <a:schemeClr val="accent6"/>
-              </a:lnRef>
-              <a:fillRef idx="3">
-                <a:schemeClr val="accent6"/>
-              </a:fillRef>
-              <a:effectRef idx="2">
-                <a:schemeClr val="accent6"/>
-              </a:effectRef>
-              <a:fontRef idx="minor">
-                <a:schemeClr val="lt1"/>
-              </a:fontRef>
-            </p:style>
-            <p:txBody>
-              <a:bodyPr rtlCol="0" anchor="ctr"/>
-              <a:lstStyle/>
-              <a:p>
-                <a:pPr algn="ctr"/>
-                <a:endParaRPr lang="en-US" dirty="0">
-                  <a:effectLst/>
-                </a:endParaRPr>
-              </a:p>
-            </p:txBody>
-          </p:sp>
-          <p:sp>
-            <p:nvSpPr>
-              <p:cNvPr id="44" name="Rounded Rectangle 43"/>
-              <p:cNvSpPr/>
-              <p:nvPr/>
-            </p:nvSpPr>
-            <p:spPr>
-              <a:xfrm>
-                <a:off x="6310708" y="2525434"/>
-                <a:ext cx="141121" cy="295036"/>
-              </a:xfrm>
-              <a:prstGeom prst="roundRect">
-                <a:avLst/>
-              </a:prstGeom>
-              <a:solidFill>
-                <a:srgbClr val="13B09B"/>
-              </a:solidFill>
-              <a:ln>
-                <a:solidFill>
-                  <a:srgbClr val="000000"/>
-                </a:solidFill>
-              </a:ln>
-              <a:effectLst/>
-            </p:spPr>
-            <p:style>
-              <a:lnRef idx="1">
-                <a:schemeClr val="accent6"/>
-              </a:lnRef>
-              <a:fillRef idx="3">
-                <a:schemeClr val="accent6"/>
-              </a:fillRef>
-              <a:effectRef idx="2">
-                <a:schemeClr val="accent6"/>
-              </a:effectRef>
-              <a:fontRef idx="minor">
-                <a:schemeClr val="lt1"/>
-              </a:fontRef>
-            </p:style>
-            <p:txBody>
-              <a:bodyPr rtlCol="0" anchor="ctr"/>
-              <a:lstStyle/>
-              <a:p>
-                <a:pPr algn="ctr"/>
-                <a:endParaRPr lang="en-US">
-                  <a:effectLst/>
-                </a:endParaRPr>
-              </a:p>
-            </p:txBody>
-          </p:sp>
-          <p:sp>
-            <p:nvSpPr>
-              <p:cNvPr id="45" name="Oval 44"/>
-              <p:cNvSpPr>
-                <a:spLocks noChangeAspect="1"/>
-              </p:cNvSpPr>
-              <p:nvPr/>
-            </p:nvSpPr>
-            <p:spPr>
-              <a:xfrm>
-                <a:off x="6621904" y="2247641"/>
-                <a:ext cx="179290" cy="166284"/>
-              </a:xfrm>
-              <a:prstGeom prst="ellipse">
-                <a:avLst/>
-              </a:prstGeom>
-              <a:solidFill>
-                <a:srgbClr val="FF0000"/>
-              </a:solidFill>
-              <a:effectLst/>
-            </p:spPr>
-            <p:style>
-              <a:lnRef idx="1">
-                <a:schemeClr val="accent1"/>
-              </a:lnRef>
-              <a:fillRef idx="3">
-                <a:schemeClr val="accent1"/>
-              </a:fillRef>
-              <a:effectRef idx="2">
-                <a:schemeClr val="accent1"/>
-              </a:effectRef>
-              <a:fontRef idx="minor">
-                <a:schemeClr val="lt1"/>
-              </a:fontRef>
-            </p:style>
-            <p:txBody>
-              <a:bodyPr rtlCol="0" anchor="ctr"/>
-              <a:lstStyle/>
-              <a:p>
-                <a:pPr algn="ctr"/>
-                <a:endParaRPr lang="en-US"/>
-              </a:p>
-            </p:txBody>
-          </p:sp>
-        </p:grpSp>
-        <p:sp>
-          <p:nvSpPr>
-            <p:cNvPr id="40" name="TextBox 39"/>
-            <p:cNvSpPr txBox="1"/>
-            <p:nvPr/>
-          </p:nvSpPr>
-          <p:spPr>
-            <a:xfrm rot="10800000">
-              <a:off x="7092564" y="1338644"/>
-              <a:ext cx="465620" cy="470659"/>
-            </a:xfrm>
-            <a:prstGeom prst="rect">
-              <a:avLst/>
-            </a:prstGeom>
-            <a:noFill/>
-          </p:spPr>
-          <p:txBody>
-            <a:bodyPr wrap="square" rtlCol="0">
-              <a:spAutoFit/>
-            </a:bodyPr>
-            <a:lstStyle/>
-            <a:p>
-              <a:r>
-                <a:rPr lang="en-US" dirty="0"/>
-                <a:t>A</a:t>
-              </a:r>
-            </a:p>
-          </p:txBody>
-        </p:sp>
-        <p:sp>
-          <p:nvSpPr>
-            <p:cNvPr id="41" name="TextBox 40"/>
-            <p:cNvSpPr txBox="1"/>
-            <p:nvPr/>
-          </p:nvSpPr>
-          <p:spPr>
-            <a:xfrm rot="10800000">
-              <a:off x="7102544" y="2397480"/>
-              <a:ext cx="465620" cy="470659"/>
-            </a:xfrm>
-            <a:prstGeom prst="rect">
-              <a:avLst/>
-            </a:prstGeom>
-            <a:noFill/>
-          </p:spPr>
-          <p:txBody>
-            <a:bodyPr wrap="square" rtlCol="0">
-              <a:spAutoFit/>
-            </a:bodyPr>
-            <a:lstStyle/>
-            <a:p>
-              <a:r>
-                <a:rPr lang="en-US" dirty="0"/>
-                <a:t>E</a:t>
-              </a:r>
-            </a:p>
-          </p:txBody>
-        </p:sp>
-      </p:grpSp>
-      <p:sp>
-        <p:nvSpPr>
-          <p:cNvPr id="46" name="TextBox 45"/>
-          <p:cNvSpPr txBox="1"/>
-          <p:nvPr/>
-        </p:nvSpPr>
-        <p:spPr>
-          <a:xfrm>
-            <a:off x="2371071" y="1928574"/>
-            <a:ext cx="1339047" cy="646331"/>
-          </a:xfrm>
-          <a:prstGeom prst="rect">
-            <a:avLst/>
-          </a:prstGeom>
-          <a:noFill/>
-        </p:spPr>
-        <p:txBody>
-          <a:bodyPr wrap="square" rtlCol="0">
-            <a:spAutoFit/>
-          </a:bodyPr>
-          <a:lstStyle/>
-          <a:p>
-            <a:pPr algn="ctr"/>
-            <a:r>
-              <a:rPr lang="en-US" dirty="0"/>
-              <a:t>Motor </a:t>
-            </a:r>
-          </a:p>
-          <a:p>
-            <a:pPr algn="ctr"/>
-            <a:r>
-              <a:rPr lang="en-US" dirty="0"/>
-              <a:t>A Moves</a:t>
-            </a:r>
-          </a:p>
-        </p:txBody>
-      </p:sp>
-      <p:sp>
-        <p:nvSpPr>
-          <p:cNvPr id="50" name="TextBox 49"/>
-          <p:cNvSpPr txBox="1"/>
-          <p:nvPr/>
-        </p:nvSpPr>
-        <p:spPr>
-          <a:xfrm>
-            <a:off x="457200" y="2918543"/>
-            <a:ext cx="1708440" cy="370199"/>
-          </a:xfrm>
-          <a:prstGeom prst="rect">
-            <a:avLst/>
-          </a:prstGeom>
-          <a:noFill/>
-        </p:spPr>
-        <p:txBody>
-          <a:bodyPr wrap="square" rtlCol="0">
-            <a:spAutoFit/>
-          </a:bodyPr>
-          <a:lstStyle/>
-          <a:p>
-            <a:pPr algn="ctr"/>
-            <a:r>
-              <a:rPr lang="en-US" dirty="0"/>
-              <a:t>Start Position</a:t>
-            </a:r>
-          </a:p>
-        </p:txBody>
-      </p:sp>
-      <p:sp>
-        <p:nvSpPr>
-          <p:cNvPr id="51" name="TextBox 50"/>
-          <p:cNvSpPr txBox="1"/>
-          <p:nvPr/>
-        </p:nvSpPr>
-        <p:spPr>
-          <a:xfrm>
-            <a:off x="3894858" y="1725371"/>
-            <a:ext cx="1708440" cy="370199"/>
-          </a:xfrm>
-          <a:prstGeom prst="rect">
-            <a:avLst/>
-          </a:prstGeom>
-          <a:noFill/>
-        </p:spPr>
-        <p:txBody>
-          <a:bodyPr wrap="square" rtlCol="0">
-            <a:spAutoFit/>
-          </a:bodyPr>
-          <a:lstStyle/>
-          <a:p>
-            <a:pPr algn="ctr"/>
-            <a:r>
-              <a:rPr lang="en-US" dirty="0"/>
-              <a:t>End Position</a:t>
-            </a:r>
-          </a:p>
-        </p:txBody>
-      </p:sp>
-      <p:grpSp>
-        <p:nvGrpSpPr>
-          <p:cNvPr id="89" name="Group 88"/>
-          <p:cNvGrpSpPr/>
-          <p:nvPr/>
-        </p:nvGrpSpPr>
-        <p:grpSpPr>
-          <a:xfrm>
-            <a:off x="892871" y="1619169"/>
-            <a:ext cx="1386064" cy="1228949"/>
-            <a:chOff x="892871" y="1599143"/>
-            <a:chExt cx="1386064" cy="1566113"/>
-          </a:xfrm>
-        </p:grpSpPr>
-        <p:grpSp>
-          <p:nvGrpSpPr>
-            <p:cNvPr id="30" name="Group 29"/>
-            <p:cNvGrpSpPr/>
-            <p:nvPr/>
-          </p:nvGrpSpPr>
-          <p:grpSpPr>
-            <a:xfrm>
-              <a:off x="892871" y="1599143"/>
-              <a:ext cx="1199001" cy="1566113"/>
-              <a:chOff x="6507213" y="1291726"/>
-              <a:chExt cx="1199001" cy="1566113"/>
-            </a:xfrm>
-          </p:grpSpPr>
-          <p:grpSp>
-            <p:nvGrpSpPr>
-              <p:cNvPr id="31" name="Group 30"/>
-              <p:cNvGrpSpPr/>
-              <p:nvPr/>
-            </p:nvGrpSpPr>
-            <p:grpSpPr>
-              <a:xfrm rot="5400000">
-                <a:off x="6518630" y="1512901"/>
-                <a:ext cx="1141996" cy="1164830"/>
-                <a:chOff x="6310708" y="2223671"/>
-                <a:chExt cx="809489" cy="898563"/>
-              </a:xfrm>
-            </p:grpSpPr>
-            <p:sp>
-              <p:nvSpPr>
-                <p:cNvPr id="34" name="Rounded Rectangle 33"/>
-                <p:cNvSpPr/>
-                <p:nvPr/>
-              </p:nvSpPr>
-              <p:spPr>
-                <a:xfrm>
-                  <a:off x="6451830" y="2223671"/>
-                  <a:ext cx="519438" cy="898563"/>
-                </a:xfrm>
-                <a:prstGeom prst="roundRect">
-                  <a:avLst/>
-                </a:prstGeom>
-                <a:solidFill>
-                  <a:srgbClr val="FFD500"/>
-                </a:solidFill>
-                <a:ln>
-                  <a:solidFill>
-                    <a:srgbClr val="000000"/>
-                  </a:solidFill>
-                </a:ln>
-                <a:effectLst/>
-              </p:spPr>
-              <p:style>
-                <a:lnRef idx="1">
-                  <a:schemeClr val="accent1"/>
-                </a:lnRef>
-                <a:fillRef idx="3">
-                  <a:schemeClr val="accent1"/>
-                </a:fillRef>
-                <a:effectRef idx="2">
-                  <a:schemeClr val="accent1"/>
-                </a:effectRef>
-                <a:fontRef idx="minor">
-                  <a:schemeClr val="lt1"/>
-                </a:fontRef>
-              </p:style>
-              <p:txBody>
-                <a:bodyPr rtlCol="0" anchor="ctr"/>
-                <a:lstStyle/>
-                <a:p>
-                  <a:pPr algn="ctr"/>
-                  <a:endParaRPr lang="en-US"/>
-                </a:p>
-              </p:txBody>
-            </p:sp>
-            <p:sp>
-              <p:nvSpPr>
-                <p:cNvPr id="35" name="Rounded Rectangle 34"/>
-                <p:cNvSpPr/>
-                <p:nvPr/>
-              </p:nvSpPr>
-              <p:spPr>
-                <a:xfrm>
-                  <a:off x="6979076" y="2525434"/>
-                  <a:ext cx="141121" cy="295036"/>
-                </a:xfrm>
-                <a:prstGeom prst="roundRect">
-                  <a:avLst/>
-                </a:prstGeom>
-                <a:solidFill>
-                  <a:srgbClr val="13B09B"/>
-                </a:solidFill>
-                <a:ln>
-                  <a:solidFill>
-                    <a:srgbClr val="000000"/>
-                  </a:solidFill>
-                </a:ln>
-                <a:effectLst/>
-              </p:spPr>
-              <p:style>
-                <a:lnRef idx="1">
-                  <a:schemeClr val="accent6"/>
-                </a:lnRef>
-                <a:fillRef idx="3">
-                  <a:schemeClr val="accent6"/>
-                </a:fillRef>
-                <a:effectRef idx="2">
-                  <a:schemeClr val="accent6"/>
-                </a:effectRef>
-                <a:fontRef idx="minor">
-                  <a:schemeClr val="lt1"/>
-                </a:fontRef>
-              </p:style>
-              <p:txBody>
-                <a:bodyPr rtlCol="0" anchor="ctr"/>
-                <a:lstStyle/>
-                <a:p>
-                  <a:pPr algn="ctr"/>
-                  <a:endParaRPr lang="en-US">
-                    <a:effectLst/>
-                  </a:endParaRPr>
-                </a:p>
-              </p:txBody>
-            </p:sp>
-            <p:sp>
-              <p:nvSpPr>
-                <p:cNvPr id="36" name="Rounded Rectangle 35"/>
-                <p:cNvSpPr/>
-                <p:nvPr/>
-              </p:nvSpPr>
-              <p:spPr>
-                <a:xfrm>
-                  <a:off x="6310708" y="2525434"/>
-                  <a:ext cx="141121" cy="295036"/>
-                </a:xfrm>
-                <a:prstGeom prst="roundRect">
-                  <a:avLst/>
-                </a:prstGeom>
-                <a:solidFill>
-                  <a:srgbClr val="13B09B"/>
-                </a:solidFill>
-                <a:ln>
-                  <a:solidFill>
-                    <a:srgbClr val="000000"/>
-                  </a:solidFill>
-                </a:ln>
-                <a:effectLst/>
-              </p:spPr>
-              <p:style>
-                <a:lnRef idx="1">
-                  <a:schemeClr val="accent6"/>
-                </a:lnRef>
-                <a:fillRef idx="3">
-                  <a:schemeClr val="accent6"/>
-                </a:fillRef>
-                <a:effectRef idx="2">
-                  <a:schemeClr val="accent6"/>
-                </a:effectRef>
-                <a:fontRef idx="minor">
-                  <a:schemeClr val="lt1"/>
-                </a:fontRef>
-              </p:style>
-              <p:txBody>
-                <a:bodyPr rtlCol="0" anchor="ctr"/>
-                <a:lstStyle/>
-                <a:p>
-                  <a:pPr algn="ctr"/>
-                  <a:endParaRPr lang="en-US">
-                    <a:effectLst/>
-                  </a:endParaRPr>
-                </a:p>
-              </p:txBody>
-            </p:sp>
-            <p:sp>
-              <p:nvSpPr>
-                <p:cNvPr id="37" name="Oval 36"/>
-                <p:cNvSpPr>
-                  <a:spLocks noChangeAspect="1"/>
-                </p:cNvSpPr>
-                <p:nvPr/>
-              </p:nvSpPr>
-              <p:spPr>
-                <a:xfrm>
-                  <a:off x="6621904" y="2247641"/>
-                  <a:ext cx="179290" cy="166284"/>
-                </a:xfrm>
-                <a:prstGeom prst="ellipse">
-                  <a:avLst/>
-                </a:prstGeom>
-                <a:solidFill>
-                  <a:srgbClr val="FF0000"/>
-                </a:solidFill>
-                <a:effectLst/>
-              </p:spPr>
-              <p:style>
-                <a:lnRef idx="1">
-                  <a:schemeClr val="accent1"/>
-                </a:lnRef>
-                <a:fillRef idx="3">
-                  <a:schemeClr val="accent1"/>
-                </a:fillRef>
-                <a:effectRef idx="2">
-                  <a:schemeClr val="accent1"/>
-                </a:effectRef>
-                <a:fontRef idx="minor">
-                  <a:schemeClr val="lt1"/>
-                </a:fontRef>
-              </p:style>
-              <p:txBody>
-                <a:bodyPr rtlCol="0" anchor="ctr"/>
-                <a:lstStyle/>
-                <a:p>
-                  <a:pPr algn="ctr"/>
-                  <a:endParaRPr lang="en-US"/>
-                </a:p>
-              </p:txBody>
-            </p:sp>
-          </p:grpSp>
-          <p:sp>
-            <p:nvSpPr>
-              <p:cNvPr id="32" name="TextBox 31"/>
-              <p:cNvSpPr txBox="1"/>
-              <p:nvPr/>
-            </p:nvSpPr>
-            <p:spPr>
-              <a:xfrm>
-                <a:off x="7216809" y="1291726"/>
-                <a:ext cx="465620" cy="470659"/>
-              </a:xfrm>
-              <a:prstGeom prst="rect">
-                <a:avLst/>
-              </a:prstGeom>
-              <a:noFill/>
-            </p:spPr>
-            <p:txBody>
-              <a:bodyPr wrap="square" rtlCol="0">
-                <a:spAutoFit/>
-              </a:bodyPr>
-              <a:lstStyle/>
-              <a:p>
-                <a:r>
-                  <a:rPr lang="en-US" dirty="0"/>
-                  <a:t>A</a:t>
-                </a:r>
-              </a:p>
-            </p:txBody>
-          </p:sp>
-          <p:sp>
-            <p:nvSpPr>
-              <p:cNvPr id="33" name="TextBox 32"/>
-              <p:cNvSpPr txBox="1"/>
-              <p:nvPr/>
-            </p:nvSpPr>
-            <p:spPr>
-              <a:xfrm>
-                <a:off x="7240594" y="2387180"/>
-                <a:ext cx="465620" cy="470659"/>
-              </a:xfrm>
-              <a:prstGeom prst="rect">
-                <a:avLst/>
-              </a:prstGeom>
-              <a:noFill/>
-            </p:spPr>
-            <p:txBody>
-              <a:bodyPr wrap="square" rtlCol="0">
-                <a:spAutoFit/>
-              </a:bodyPr>
-              <a:lstStyle/>
-              <a:p>
-                <a:r>
-                  <a:rPr lang="en-US" dirty="0"/>
-                  <a:t>E</a:t>
-                </a:r>
-              </a:p>
-            </p:txBody>
-          </p:sp>
-        </p:grpSp>
-        <p:cxnSp>
-          <p:nvCxnSpPr>
-            <p:cNvPr id="53" name="Curved Connector 52"/>
-            <p:cNvCxnSpPr/>
-            <p:nvPr/>
-          </p:nvCxnSpPr>
-          <p:spPr>
-            <a:xfrm>
-              <a:off x="1930037" y="1876829"/>
-              <a:ext cx="348898" cy="393929"/>
-            </a:xfrm>
-            <a:prstGeom prst="curvedConnector2">
-              <a:avLst/>
-            </a:prstGeom>
-            <a:ln>
-              <a:solidFill>
-                <a:srgbClr val="FF0000"/>
-              </a:solidFill>
-              <a:tailEnd type="arrow"/>
-            </a:ln>
-          </p:spPr>
-          <p:style>
-            <a:lnRef idx="2">
-              <a:schemeClr val="accent1"/>
-            </a:lnRef>
-            <a:fillRef idx="0">
-              <a:schemeClr val="accent1"/>
-            </a:fillRef>
-            <a:effectRef idx="1">
-              <a:schemeClr val="accent1"/>
-            </a:effectRef>
-            <a:fontRef idx="minor">
-              <a:schemeClr val="tx1"/>
-            </a:fontRef>
-          </p:style>
-        </p:cxnSp>
-      </p:grpSp>
-      <p:grpSp>
-        <p:nvGrpSpPr>
-          <p:cNvPr id="88" name="Group 87"/>
-          <p:cNvGrpSpPr/>
-          <p:nvPr/>
-        </p:nvGrpSpPr>
-        <p:grpSpPr>
-          <a:xfrm>
-            <a:off x="648829" y="4706213"/>
-            <a:ext cx="1485589" cy="1229740"/>
-            <a:chOff x="648829" y="4735413"/>
-            <a:chExt cx="1485589" cy="1537051"/>
-          </a:xfrm>
-        </p:grpSpPr>
-        <p:grpSp>
-          <p:nvGrpSpPr>
-            <p:cNvPr id="18" name="Group 17"/>
-            <p:cNvGrpSpPr/>
-            <p:nvPr/>
-          </p:nvGrpSpPr>
-          <p:grpSpPr>
-            <a:xfrm>
-              <a:off x="809518" y="4735413"/>
-              <a:ext cx="1199001" cy="1537051"/>
-              <a:chOff x="6507213" y="1311758"/>
-              <a:chExt cx="1199001" cy="1537051"/>
-            </a:xfrm>
-          </p:grpSpPr>
-          <p:grpSp>
-            <p:nvGrpSpPr>
-              <p:cNvPr id="19" name="Group 18"/>
-              <p:cNvGrpSpPr/>
-              <p:nvPr/>
-            </p:nvGrpSpPr>
-            <p:grpSpPr>
-              <a:xfrm rot="5400000">
-                <a:off x="6518630" y="1512901"/>
-                <a:ext cx="1141996" cy="1164830"/>
-                <a:chOff x="6310708" y="2223671"/>
-                <a:chExt cx="809489" cy="898563"/>
-              </a:xfrm>
-            </p:grpSpPr>
-            <p:sp>
-              <p:nvSpPr>
-                <p:cNvPr id="22" name="Rounded Rectangle 21"/>
-                <p:cNvSpPr/>
-                <p:nvPr/>
-              </p:nvSpPr>
-              <p:spPr>
-                <a:xfrm>
-                  <a:off x="6451830" y="2223671"/>
-                  <a:ext cx="519438" cy="898563"/>
-                </a:xfrm>
-                <a:prstGeom prst="roundRect">
-                  <a:avLst/>
-                </a:prstGeom>
-                <a:solidFill>
-                  <a:srgbClr val="FFD500"/>
-                </a:solidFill>
-                <a:ln>
-                  <a:solidFill>
-                    <a:srgbClr val="000000"/>
-                  </a:solidFill>
-                </a:ln>
-                <a:effectLst/>
-              </p:spPr>
-              <p:style>
-                <a:lnRef idx="1">
-                  <a:schemeClr val="accent1"/>
-                </a:lnRef>
-                <a:fillRef idx="3">
-                  <a:schemeClr val="accent1"/>
-                </a:fillRef>
-                <a:effectRef idx="2">
-                  <a:schemeClr val="accent1"/>
-                </a:effectRef>
-                <a:fontRef idx="minor">
-                  <a:schemeClr val="lt1"/>
-                </a:fontRef>
-              </p:style>
-              <p:txBody>
-                <a:bodyPr rtlCol="0" anchor="ctr"/>
-                <a:lstStyle/>
-                <a:p>
-                  <a:pPr algn="ctr"/>
-                  <a:endParaRPr lang="en-US"/>
-                </a:p>
-              </p:txBody>
-            </p:sp>
-            <p:sp>
-              <p:nvSpPr>
-                <p:cNvPr id="23" name="Rounded Rectangle 22"/>
-                <p:cNvSpPr/>
-                <p:nvPr/>
-              </p:nvSpPr>
-              <p:spPr>
-                <a:xfrm>
-                  <a:off x="6979076" y="2525434"/>
-                  <a:ext cx="141121" cy="295036"/>
-                </a:xfrm>
-                <a:prstGeom prst="roundRect">
-                  <a:avLst/>
-                </a:prstGeom>
-                <a:solidFill>
-                  <a:srgbClr val="13B09B"/>
-                </a:solidFill>
-                <a:ln>
-                  <a:solidFill>
-                    <a:srgbClr val="000000"/>
-                  </a:solidFill>
-                </a:ln>
-                <a:effectLst/>
-              </p:spPr>
-              <p:style>
-                <a:lnRef idx="1">
-                  <a:schemeClr val="accent6"/>
-                </a:lnRef>
-                <a:fillRef idx="3">
-                  <a:schemeClr val="accent6"/>
-                </a:fillRef>
-                <a:effectRef idx="2">
-                  <a:schemeClr val="accent6"/>
-                </a:effectRef>
-                <a:fontRef idx="minor">
-                  <a:schemeClr val="lt1"/>
-                </a:fontRef>
-              </p:style>
-              <p:txBody>
-                <a:bodyPr rtlCol="0" anchor="ctr"/>
-                <a:lstStyle/>
-                <a:p>
-                  <a:pPr algn="ctr"/>
-                  <a:endParaRPr lang="en-US">
-                    <a:effectLst/>
-                  </a:endParaRPr>
-                </a:p>
-              </p:txBody>
-            </p:sp>
-            <p:sp>
-              <p:nvSpPr>
-                <p:cNvPr id="24" name="Rounded Rectangle 23"/>
-                <p:cNvSpPr/>
-                <p:nvPr/>
-              </p:nvSpPr>
-              <p:spPr>
-                <a:xfrm>
-                  <a:off x="6310708" y="2525434"/>
-                  <a:ext cx="141121" cy="295036"/>
-                </a:xfrm>
-                <a:prstGeom prst="roundRect">
-                  <a:avLst/>
-                </a:prstGeom>
-                <a:solidFill>
-                  <a:srgbClr val="13B09B"/>
-                </a:solidFill>
-                <a:ln>
-                  <a:solidFill>
-                    <a:srgbClr val="000000"/>
-                  </a:solidFill>
-                </a:ln>
-                <a:effectLst/>
-              </p:spPr>
-              <p:style>
-                <a:lnRef idx="1">
-                  <a:schemeClr val="accent6"/>
-                </a:lnRef>
-                <a:fillRef idx="3">
-                  <a:schemeClr val="accent6"/>
-                </a:fillRef>
-                <a:effectRef idx="2">
-                  <a:schemeClr val="accent6"/>
-                </a:effectRef>
-                <a:fontRef idx="minor">
-                  <a:schemeClr val="lt1"/>
-                </a:fontRef>
-              </p:style>
-              <p:txBody>
-                <a:bodyPr rtlCol="0" anchor="ctr"/>
-                <a:lstStyle/>
-                <a:p>
-                  <a:pPr algn="ctr"/>
-                  <a:endParaRPr lang="en-US" dirty="0">
-                    <a:effectLst/>
-                  </a:endParaRPr>
-                </a:p>
-              </p:txBody>
-            </p:sp>
-            <p:sp>
-              <p:nvSpPr>
-                <p:cNvPr id="25" name="Oval 24"/>
-                <p:cNvSpPr>
-                  <a:spLocks noChangeAspect="1"/>
-                </p:cNvSpPr>
-                <p:nvPr/>
-              </p:nvSpPr>
-              <p:spPr>
-                <a:xfrm>
-                  <a:off x="6621904" y="2247641"/>
-                  <a:ext cx="179290" cy="166284"/>
-                </a:xfrm>
-                <a:prstGeom prst="ellipse">
-                  <a:avLst/>
-                </a:prstGeom>
-                <a:solidFill>
-                  <a:srgbClr val="FF0000"/>
-                </a:solidFill>
-                <a:effectLst/>
-              </p:spPr>
-              <p:style>
-                <a:lnRef idx="1">
-                  <a:schemeClr val="accent1"/>
-                </a:lnRef>
-                <a:fillRef idx="3">
-                  <a:schemeClr val="accent1"/>
-                </a:fillRef>
-                <a:effectRef idx="2">
-                  <a:schemeClr val="accent1"/>
-                </a:effectRef>
-                <a:fontRef idx="minor">
-                  <a:schemeClr val="lt1"/>
-                </a:fontRef>
-              </p:style>
-              <p:txBody>
-                <a:bodyPr rtlCol="0" anchor="ctr"/>
-                <a:lstStyle/>
-                <a:p>
-                  <a:pPr algn="ctr"/>
-                  <a:endParaRPr lang="en-US"/>
-                </a:p>
-              </p:txBody>
-            </p:sp>
-          </p:grpSp>
-          <p:sp>
-            <p:nvSpPr>
-              <p:cNvPr id="20" name="TextBox 19"/>
-              <p:cNvSpPr txBox="1"/>
-              <p:nvPr/>
-            </p:nvSpPr>
-            <p:spPr>
-              <a:xfrm>
-                <a:off x="7216809" y="1311758"/>
-                <a:ext cx="465620" cy="461628"/>
-              </a:xfrm>
-              <a:prstGeom prst="rect">
-                <a:avLst/>
-              </a:prstGeom>
-              <a:noFill/>
-            </p:spPr>
-            <p:txBody>
-              <a:bodyPr wrap="square" rtlCol="0">
-                <a:spAutoFit/>
-              </a:bodyPr>
-              <a:lstStyle/>
-              <a:p>
-                <a:r>
-                  <a:rPr lang="en-US" dirty="0"/>
-                  <a:t>A</a:t>
-                </a:r>
-              </a:p>
-            </p:txBody>
-          </p:sp>
-          <p:sp>
-            <p:nvSpPr>
-              <p:cNvPr id="21" name="TextBox 20"/>
-              <p:cNvSpPr txBox="1"/>
-              <p:nvPr/>
-            </p:nvSpPr>
-            <p:spPr>
-              <a:xfrm>
-                <a:off x="7240594" y="2387181"/>
-                <a:ext cx="465620" cy="461628"/>
-              </a:xfrm>
-              <a:prstGeom prst="rect">
-                <a:avLst/>
-              </a:prstGeom>
-              <a:noFill/>
-            </p:spPr>
-            <p:txBody>
-              <a:bodyPr wrap="square" rtlCol="0">
-                <a:spAutoFit/>
-              </a:bodyPr>
-              <a:lstStyle/>
-              <a:p>
-                <a:r>
-                  <a:rPr lang="en-US" dirty="0"/>
-                  <a:t>E</a:t>
-                </a:r>
-              </a:p>
-            </p:txBody>
-          </p:sp>
-        </p:grpSp>
-        <p:cxnSp>
-          <p:nvCxnSpPr>
-            <p:cNvPr id="58" name="Curved Connector 57"/>
-            <p:cNvCxnSpPr/>
-            <p:nvPr/>
-          </p:nvCxnSpPr>
-          <p:spPr>
-            <a:xfrm>
-              <a:off x="1785520" y="4980768"/>
-              <a:ext cx="348898" cy="393929"/>
-            </a:xfrm>
-            <a:prstGeom prst="curvedConnector2">
-              <a:avLst/>
-            </a:prstGeom>
-            <a:ln>
-              <a:solidFill>
-                <a:srgbClr val="FF0000"/>
-              </a:solidFill>
-              <a:tailEnd type="arrow"/>
-            </a:ln>
-          </p:spPr>
-          <p:style>
-            <a:lnRef idx="2">
-              <a:schemeClr val="accent1"/>
-            </a:lnRef>
-            <a:fillRef idx="0">
-              <a:schemeClr val="accent1"/>
-            </a:fillRef>
-            <a:effectRef idx="1">
-              <a:schemeClr val="accent1"/>
-            </a:effectRef>
-            <a:fontRef idx="minor">
-              <a:schemeClr val="tx1"/>
-            </a:fontRef>
-          </p:style>
-        </p:cxnSp>
-        <p:cxnSp>
-          <p:nvCxnSpPr>
-            <p:cNvPr id="77" name="Curved Connector 76"/>
-            <p:cNvCxnSpPr/>
-            <p:nvPr/>
-          </p:nvCxnSpPr>
-          <p:spPr>
-            <a:xfrm rot="16200000" flipV="1">
-              <a:off x="643486" y="5573839"/>
-              <a:ext cx="438638" cy="427951"/>
-            </a:xfrm>
-            <a:prstGeom prst="curvedConnector3">
-              <a:avLst>
-                <a:gd name="adj1" fmla="val 2789"/>
-              </a:avLst>
-            </a:prstGeom>
-            <a:ln>
-              <a:solidFill>
-                <a:srgbClr val="FF0000"/>
-              </a:solidFill>
-              <a:tailEnd type="arrow"/>
-            </a:ln>
-          </p:spPr>
-          <p:style>
-            <a:lnRef idx="2">
-              <a:schemeClr val="accent1"/>
-            </a:lnRef>
-            <a:fillRef idx="0">
-              <a:schemeClr val="accent1"/>
-            </a:fillRef>
-            <a:effectRef idx="1">
-              <a:schemeClr val="accent1"/>
-            </a:effectRef>
-            <a:fontRef idx="minor">
-              <a:schemeClr val="tx1"/>
-            </a:fontRef>
-          </p:style>
-        </p:cxnSp>
-      </p:grpSp>
-      <p:cxnSp>
-        <p:nvCxnSpPr>
-          <p:cNvPr id="91" name="Straight Connector 90"/>
-          <p:cNvCxnSpPr/>
-          <p:nvPr/>
-        </p:nvCxnSpPr>
-        <p:spPr>
-          <a:xfrm>
-            <a:off x="3393155" y="2219824"/>
-            <a:ext cx="2380801" cy="0"/>
-          </a:xfrm>
-          <a:prstGeom prst="line">
-            <a:avLst/>
-          </a:prstGeom>
-          <a:ln w="76200" cmpd="sng">
-            <a:solidFill>
-              <a:schemeClr val="tx1"/>
-            </a:solidFill>
-          </a:ln>
-        </p:spPr>
-        <p:style>
-          <a:lnRef idx="2">
-            <a:schemeClr val="accent1"/>
-          </a:lnRef>
-          <a:fillRef idx="0">
-            <a:schemeClr val="accent1"/>
-          </a:fillRef>
-          <a:effectRef idx="1">
-            <a:schemeClr val="accent1"/>
-          </a:effectRef>
-          <a:fontRef idx="minor">
-            <a:schemeClr val="tx1"/>
-          </a:fontRef>
-        </p:style>
-      </p:cxnSp>
-    </p:spTree>
-    <p:extLst>
-      <p:ext uri="{BB962C8B-B14F-4D97-AF65-F5344CB8AC3E}">
-        <p14:creationId xmlns:p14="http://schemas.microsoft.com/office/powerpoint/2010/main" val="1775674711"/>
       </p:ext>
     </p:extLst>
   </p:cSld>

--- a/en/ProgrammingLessons/SP3GyroTurning.pptx
+++ b/en/ProgrammingLessons/SP3GyroTurning.pptx
@@ -16065,7 +16065,7 @@
             <a:pPr lvl="1"/>
             <a:r>
               <a:rPr lang="en-US" dirty="0"/>
-              <a:t>Wait until the yaw angle reads 0</a:t>
+              <a:t>Wait until the yaw angle reads close to 0</a:t>
             </a:r>
           </a:p>
           <a:p>
@@ -16187,10 +16187,10 @@
       </p:pic>
       <p:pic>
         <p:nvPicPr>
-          <p:cNvPr id="9" name="Picture 8">
+          <p:cNvPr id="6" name="Picture 5">
             <a:extLst>
               <a:ext uri="{FF2B5EF4-FFF2-40B4-BE49-F238E27FC236}">
-                <a16:creationId xmlns:a16="http://schemas.microsoft.com/office/drawing/2014/main" id="{D5BDF7AC-FB1F-7BB7-6240-537F362FC833}"/>
+                <a16:creationId xmlns:a16="http://schemas.microsoft.com/office/drawing/2014/main" id="{0C25169E-911C-61CB-97EE-31ED1F789D08}"/>
               </a:ext>
             </a:extLst>
           </p:cNvPr>
@@ -16207,8 +16207,8 @@
         </p:blipFill>
         <p:spPr>
           <a:xfrm>
-            <a:off x="5743895" y="2401256"/>
-            <a:ext cx="3262945" cy="1124819"/>
+            <a:off x="5692669" y="2506418"/>
+            <a:ext cx="3365395" cy="954366"/>
           </a:xfrm>
           <a:prstGeom prst="rect">
             <a:avLst/>

--- a/en/ProgrammingLessons/SP3GyroTurning.pptx
+++ b/en/ProgrammingLessons/SP3GyroTurning.pptx
@@ -224,7 +224,7 @@
           <a:p>
             <a:fld id="{58040048-1E4D-CD41-AC49-0750EB72586B}" type="datetimeFigureOut">
               <a:rPr lang="en-US" smtClean="0"/>
-              <a:t>5/12/2023</a:t>
+              <a:t>7/26/23</a:t>
             </a:fld>
             <a:endParaRPr lang="en-US"/>
           </a:p>
@@ -390,7 +390,7 @@
           <a:p>
             <a:fld id="{2B8484CF-5098-F24E-8881-583515D5C406}" type="datetimeFigureOut">
               <a:rPr lang="en-US" smtClean="0"/>
-              <a:t>5/12/2023</a:t>
+              <a:t>7/26/23</a:t>
             </a:fld>
             <a:endParaRPr lang="en-US"/>
           </a:p>
@@ -1669,7 +1669,7 @@
           <a:p>
             <a:r>
               <a:rPr lang="en-US"/>
-              <a:t>Copyright © 2023 Prime Lessons (primelessons.org) CC-BY-NC-SA.  (Last edit: 5/12/2023)</a:t>
+              <a:t>Copyright © 2023 Prime Lessons (primelessons.org) CC-BY-NC-SA.  (Last edit: 7/26/2023)</a:t>
             </a:r>
             <a:endParaRPr lang="en-US" dirty="0"/>
           </a:p>
@@ -1923,7 +1923,7 @@
           <a:p>
             <a:r>
               <a:rPr lang="en-US"/>
-              <a:t>Copyright © 2023 Prime Lessons (primelessons.org) CC-BY-NC-SA.  (Last edit: 5/12/2023)</a:t>
+              <a:t>Copyright © 2023 Prime Lessons (primelessons.org) CC-BY-NC-SA.  (Last edit: 7/26/2023)</a:t>
             </a:r>
             <a:endParaRPr lang="en-US" dirty="0"/>
           </a:p>
@@ -2182,7 +2182,7 @@
           <a:p>
             <a:r>
               <a:rPr lang="en-US"/>
-              <a:t>Copyright © 2023 Prime Lessons (primelessons.org) CC-BY-NC-SA.  (Last edit: 5/12/2023)</a:t>
+              <a:t>Copyright © 2023 Prime Lessons (primelessons.org) CC-BY-NC-SA.  (Last edit: 7/26/2023)</a:t>
             </a:r>
             <a:endParaRPr lang="en-US" dirty="0"/>
           </a:p>
@@ -2696,7 +2696,7 @@
           <a:p>
             <a:r>
               <a:rPr lang="en-US"/>
-              <a:t>Copyright © 2023 Prime Lessons (primelessons.org) CC-BY-NC-SA.  (Last edit: 5/12/2023)</a:t>
+              <a:t>Copyright © 2023 Prime Lessons (primelessons.org) CC-BY-NC-SA.  (Last edit: 7/26/2023)</a:t>
             </a:r>
             <a:endParaRPr lang="en-US" dirty="0"/>
           </a:p>
@@ -2887,7 +2887,7 @@
           <a:p>
             <a:r>
               <a:rPr lang="en-US"/>
-              <a:t>Copyright © 2023 Prime Lessons (primelessons.org) CC-BY-NC-SA.  (Last edit: 5/12/2023)</a:t>
+              <a:t>Copyright © 2023 Prime Lessons (primelessons.org) CC-BY-NC-SA.  (Last edit: 7/26/2023)</a:t>
             </a:r>
             <a:endParaRPr lang="en-US" dirty="0"/>
           </a:p>
@@ -3286,7 +3286,7 @@
           <a:p>
             <a:r>
               <a:rPr lang="en-US"/>
-              <a:t>Copyright © 2023 Prime Lessons (primelessons.org) CC-BY-NC-SA.  (Last edit: 5/12/2023)</a:t>
+              <a:t>Copyright © 2023 Prime Lessons (primelessons.org) CC-BY-NC-SA.  (Last edit: 7/26/2023)</a:t>
             </a:r>
             <a:endParaRPr lang="en-US" dirty="0"/>
           </a:p>
@@ -3490,7 +3490,7 @@
           <a:p>
             <a:r>
               <a:rPr lang="en-US"/>
-              <a:t>Copyright © 2023 Prime Lessons (primelessons.org) CC-BY-NC-SA.  (Last edit: 5/12/2023)</a:t>
+              <a:t>Copyright © 2023 Prime Lessons (primelessons.org) CC-BY-NC-SA.  (Last edit: 7/26/2023)</a:t>
             </a:r>
             <a:endParaRPr lang="en-US" dirty="0"/>
           </a:p>
@@ -3899,7 +3899,7 @@
           <a:p>
             <a:r>
               <a:rPr lang="en-US"/>
-              <a:t>Copyright © 2023 Prime Lessons (primelessons.org) CC-BY-NC-SA.  (Last edit: 5/12/2023)</a:t>
+              <a:t>Copyright © 2023 Prime Lessons (primelessons.org) CC-BY-NC-SA.  (Last edit: 7/26/2023)</a:t>
             </a:r>
             <a:endParaRPr lang="en-US" dirty="0"/>
           </a:p>
@@ -4478,7 +4478,7 @@
           <a:p>
             <a:r>
               <a:rPr lang="en-US"/>
-              <a:t>Copyright © 2023 Prime Lessons (primelessons.org) CC-BY-NC-SA.  (Last edit: 5/12/2023)</a:t>
+              <a:t>Copyright © 2023 Prime Lessons (primelessons.org) CC-BY-NC-SA.  (Last edit: 7/26/2023)</a:t>
             </a:r>
             <a:endParaRPr lang="en-US" dirty="0"/>
           </a:p>
@@ -5081,7 +5081,7 @@
           <a:p>
             <a:r>
               <a:rPr lang="en-US"/>
-              <a:t>Copyright © 2023 Prime Lessons (primelessons.org) CC-BY-NC-SA.  (Last edit: 5/12/2023)</a:t>
+              <a:t>Copyright © 2023 Prime Lessons (primelessons.org) CC-BY-NC-SA.  (Last edit: 7/26/2023)</a:t>
             </a:r>
             <a:endParaRPr lang="en-US" dirty="0"/>
           </a:p>
@@ -5325,7 +5325,7 @@
           <a:p>
             <a:r>
               <a:rPr lang="en-US"/>
-              <a:t>Copyright © 2023 Prime Lessons (primelessons.org) CC-BY-NC-SA.  (Last edit: 5/12/2023)</a:t>
+              <a:t>Copyright © 2023 Prime Lessons (primelessons.org) CC-BY-NC-SA.  (Last edit: 7/26/2023)</a:t>
             </a:r>
             <a:endParaRPr lang="en-US" dirty="0"/>
           </a:p>
@@ -5814,7 +5814,7 @@
           <a:p>
             <a:r>
               <a:rPr lang="en-US"/>
-              <a:t>Copyright © 2023 Prime Lessons (primelessons.org) CC-BY-NC-SA.  (Last edit: 5/12/2023)</a:t>
+              <a:t>Copyright © 2023 Prime Lessons (primelessons.org) CC-BY-NC-SA.  (Last edit: 7/26/2023)</a:t>
             </a:r>
             <a:endParaRPr lang="en-US" dirty="0"/>
           </a:p>
@@ -6284,7 +6284,7 @@
           <a:p>
             <a:r>
               <a:rPr lang="en-US"/>
-              <a:t>Copyright © 2023 Prime Lessons (primelessons.org) CC-BY-NC-SA.  (Last edit: 5/12/2023)</a:t>
+              <a:t>Copyright © 2023 Prime Lessons (primelessons.org) CC-BY-NC-SA.  (Last edit: 7/26/2023)</a:t>
             </a:r>
           </a:p>
         </p:txBody>
@@ -6585,7 +6585,7 @@
           <a:p>
             <a:r>
               <a:rPr lang="en-US"/>
-              <a:t>Copyright © 2023 Prime Lessons (primelessons.org) CC-BY-NC-SA.  (Last edit: 5/12/2023)</a:t>
+              <a:t>Copyright © 2023 Prime Lessons (primelessons.org) CC-BY-NC-SA.  (Last edit: 7/26/2023)</a:t>
             </a:r>
             <a:endParaRPr lang="en-US" dirty="0"/>
           </a:p>
@@ -6905,7 +6905,7 @@
           <a:p>
             <a:r>
               <a:rPr lang="en-US"/>
-              <a:t>Copyright © 2023 Prime Lessons (primelessons.org) CC-BY-NC-SA.  (Last edit: 5/12/2023)</a:t>
+              <a:t>Copyright © 2023 Prime Lessons (primelessons.org) CC-BY-NC-SA.  (Last edit: 7/26/2023)</a:t>
             </a:r>
             <a:endParaRPr lang="en-US" dirty="0"/>
           </a:p>
@@ -7727,7 +7727,7 @@
           <a:p>
             <a:r>
               <a:rPr lang="en-US"/>
-              <a:t>Copyright © 2023 Prime Lessons (primelessons.org) CC-BY-NC-SA.  (Last edit: 5/12/2023)</a:t>
+              <a:t>Copyright © 2023 Prime Lessons (primelessons.org) CC-BY-NC-SA.  (Last edit: 7/26/2023)</a:t>
             </a:r>
           </a:p>
         </p:txBody>
@@ -9465,7 +9465,7 @@
             <p:ph idx="1"/>
             <p:extLst>
               <p:ext uri="{D42A27DB-BD31-4B8C-83A1-F6EECF244321}">
-                <p14:modId xmlns:p14="http://schemas.microsoft.com/office/powerpoint/2010/main" val="1624102229"/>
+                <p14:modId xmlns:p14="http://schemas.microsoft.com/office/powerpoint/2010/main" val="1719856102"/>
               </p:ext>
             </p:extLst>
           </p:nvPr>
@@ -9577,7 +9577,7 @@
                             <a:schemeClr val="tx1"/>
                           </a:solidFill>
                         </a:rPr>
-                        <a:t>left: 50</a:t>
+                        <a:t>right: 50</a:t>
                       </a:r>
                     </a:p>
                   </a:txBody>
@@ -9781,7 +9781,7 @@
           <a:p>
             <a:r>
               <a:rPr lang="en-US"/>
-              <a:t>Copyright © 2023 Prime Lessons (primelessons.org) CC-BY-NC-SA.  (Last edit: 5/12/2023)</a:t>
+              <a:t>Copyright © 2023 Prime Lessons (primelessons.org) CC-BY-NC-SA.  (Last edit: 7/26/2023)</a:t>
             </a:r>
           </a:p>
         </p:txBody>
@@ -11690,7 +11690,7 @@
           <a:p>
             <a:r>
               <a:rPr lang="en-US"/>
-              <a:t>Copyright © 2023 Prime Lessons (primelessons.org) CC-BY-NC-SA.  (Last edit: 5/12/2023)</a:t>
+              <a:t>Copyright © 2023 Prime Lessons (primelessons.org) CC-BY-NC-SA.  (Last edit: 7/26/2023)</a:t>
             </a:r>
           </a:p>
         </p:txBody>
@@ -13051,7 +13051,7 @@
           <a:p>
             <a:r>
               <a:rPr lang="en-US"/>
-              <a:t>Copyright © 2023 Prime Lessons (primelessons.org) CC-BY-NC-SA.  (Last edit: 5/12/2023)</a:t>
+              <a:t>Copyright © 2023 Prime Lessons (primelessons.org) CC-BY-NC-SA.  (Last edit: 7/26/2023)</a:t>
             </a:r>
           </a:p>
         </p:txBody>
@@ -13432,7 +13432,7 @@
           <a:p>
             <a:r>
               <a:rPr lang="en-US"/>
-              <a:t>Copyright © 2023 Prime Lessons (primelessons.org) CC-BY-NC-SA.  (Last edit: 5/12/2023)</a:t>
+              <a:t>Copyright © 2023 Prime Lessons (primelessons.org) CC-BY-NC-SA.  (Last edit: 7/26/2023)</a:t>
             </a:r>
             <a:endParaRPr lang="en-US" dirty="0"/>
           </a:p>
@@ -13492,7 +13492,7 @@
           <a:effectLst/>
           <a:extLst>
             <a:ext uri="{91240B29-F687-4f45-9708-019B960494DF}">
-              <a14:hiddenLine xmlns="" xmlns:a14="http://schemas.microsoft.com/office/drawing/2010/main" w="9525">
+              <a14:hiddenLine xmlns:a14="http://schemas.microsoft.com/office/drawing/2010/main" xmlns="" w="9525">
                 <a:solidFill>
                   <a:schemeClr val="tx1"/>
                 </a:solidFill>
@@ -13502,7 +13502,7 @@
               </a14:hiddenLine>
             </a:ext>
             <a:ext uri="{AF507438-7753-43e0-B8FC-AC1667EBCBE1}">
-              <a14:hiddenEffects xmlns="" xmlns:a14="http://schemas.microsoft.com/office/drawing/2010/main">
+              <a14:hiddenEffects xmlns:a14="http://schemas.microsoft.com/office/drawing/2010/main" xmlns="">
                 <a:effectLst>
                   <a:outerShdw dist="35921" dir="2700000" algn="ctr" rotWithShape="0">
                     <a:schemeClr val="bg2"/>
@@ -13843,7 +13843,7 @@
           <a:noFill/>
           <a:extLst>
             <a:ext uri="{909E8E84-426E-40dd-AFC4-6F175D3DCCD1}">
-              <a14:hiddenFill xmlns="" xmlns:a14="http://schemas.microsoft.com/office/drawing/2010/main">
+              <a14:hiddenFill xmlns:a14="http://schemas.microsoft.com/office/drawing/2010/main" xmlns="">
                 <a:solidFill>
                   <a:srgbClr val="FFFFFF"/>
                 </a:solidFill>
@@ -13969,7 +13969,7 @@
           <a:p>
             <a:r>
               <a:rPr lang="en-US"/>
-              <a:t>Copyright © 2023 Prime Lessons (primelessons.org) CC-BY-NC-SA.  (Last edit: 5/12/2023)</a:t>
+              <a:t>Copyright © 2023 Prime Lessons (primelessons.org) CC-BY-NC-SA.  (Last edit: 7/26/2023)</a:t>
             </a:r>
           </a:p>
         </p:txBody>
@@ -14134,7 +14134,7 @@
           <a:p>
             <a:r>
               <a:rPr lang="en-US"/>
-              <a:t>Copyright © 2023 Prime Lessons (primelessons.org) CC-BY-NC-SA.  (Last edit: 5/12/2023)</a:t>
+              <a:t>Copyright © 2023 Prime Lessons (primelessons.org) CC-BY-NC-SA.  (Last edit: 7/26/2023)</a:t>
             </a:r>
             <a:endParaRPr lang="en-US" dirty="0"/>
           </a:p>
@@ -14404,7 +14404,7 @@
           <a:p>
             <a:r>
               <a:rPr lang="en-US"/>
-              <a:t>Copyright © 2023 Prime Lessons (primelessons.org) CC-BY-NC-SA.  (Last edit: 5/12/2023)</a:t>
+              <a:t>Copyright © 2023 Prime Lessons (primelessons.org) CC-BY-NC-SA.  (Last edit: 7/26/2023)</a:t>
             </a:r>
             <a:endParaRPr lang="en-US" dirty="0"/>
           </a:p>
@@ -15561,7 +15561,7 @@
           <a:p>
             <a:r>
               <a:rPr lang="en-US"/>
-              <a:t>Copyright © 2023 Prime Lessons (primelessons.org) CC-BY-NC-SA.  (Last edit: 5/12/2023)</a:t>
+              <a:t>Copyright © 2023 Prime Lessons (primelessons.org) CC-BY-NC-SA.  (Last edit: 7/26/2023)</a:t>
             </a:r>
             <a:endParaRPr lang="en-US" dirty="0"/>
           </a:p>
@@ -15827,7 +15827,7 @@
           <a:p>
             <a:r>
               <a:rPr lang="en-US"/>
-              <a:t>Copyright © 2023 Prime Lessons (primelessons.org) CC-BY-NC-SA.  (Last edit: 5/12/2023)</a:t>
+              <a:t>Copyright © 2023 Prime Lessons (primelessons.org) CC-BY-NC-SA.  (Last edit: 7/26/2023)</a:t>
             </a:r>
             <a:endParaRPr lang="en-US" dirty="0"/>
           </a:p>
@@ -16120,7 +16120,7 @@
           <a:p>
             <a:r>
               <a:rPr lang="en-US"/>
-              <a:t>Copyright © 2023 Prime Lessons (primelessons.org) CC-BY-NC-SA.  (Last edit: 5/12/2023)</a:t>
+              <a:t>Copyright © 2023 Prime Lessons (primelessons.org) CC-BY-NC-SA.  (Last edit: 7/26/2023)</a:t>
             </a:r>
             <a:endParaRPr lang="en-US" dirty="0"/>
           </a:p>
@@ -16301,7 +16301,7 @@
           <a:p>
             <a:r>
               <a:rPr lang="en-US"/>
-              <a:t>Copyright © 2023 Prime Lessons (primelessons.org) CC-BY-NC-SA.  (Last edit: 5/12/2023)</a:t>
+              <a:t>Copyright © 2023 Prime Lessons (primelessons.org) CC-BY-NC-SA.  (Last edit: 7/26/2023)</a:t>
             </a:r>
             <a:endParaRPr lang="en-US" dirty="0"/>
           </a:p>
@@ -16583,7 +16583,7 @@
           <a:p>
             <a:r>
               <a:rPr lang="en-US"/>
-              <a:t>Copyright © 2023 Prime Lessons (primelessons.org) CC-BY-NC-SA.  (Last edit: 5/12/2023)</a:t>
+              <a:t>Copyright © 2023 Prime Lessons (primelessons.org) CC-BY-NC-SA.  (Last edit: 7/26/2023)</a:t>
             </a:r>
             <a:endParaRPr lang="en-US" dirty="0"/>
           </a:p>
